--- a/ChatBot_with_PDF_Presentation.pptx
+++ b/ChatBot_with_PDF_Presentation.pptx
@@ -2,7 +2,7 @@
 <file path=ppt/presentation.xml><?xml version="1.0" encoding="utf-8"?>
 <p:presentation xmlns:a="http://schemas.openxmlformats.org/drawingml/2006/main" xmlns:r="http://schemas.openxmlformats.org/officeDocument/2006/relationships" xmlns:p="http://schemas.openxmlformats.org/presentationml/2006/main" saveSubsetFonts="1" autoCompressPictures="0">
   <p:sldMasterIdLst>
-    <p:sldMasterId id="2147483648" r:id="rId1"/>
+    <p:sldMasterId id="2147483660" r:id="rId1"/>
   </p:sldMasterIdLst>
   <p:sldIdLst>
     <p:sldId id="256" r:id="rId2"/>
@@ -14,11 +14,9 @@
     <p:sldId id="262" r:id="rId8"/>
     <p:sldId id="263" r:id="rId9"/>
     <p:sldId id="264" r:id="rId10"/>
-    <p:sldId id="265" r:id="rId11"/>
-    <p:sldId id="266" r:id="rId12"/>
-    <p:sldId id="267" r:id="rId13"/>
-    <p:sldId id="268" r:id="rId14"/>
-    <p:sldId id="269" r:id="rId15"/>
+    <p:sldId id="267" r:id="rId11"/>
+    <p:sldId id="268" r:id="rId12"/>
+    <p:sldId id="269" r:id="rId13"/>
   </p:sldIdLst>
   <p:sldSz cx="9144000" cy="6858000" type="screen4x3"/>
   <p:notesSz cx="6858000" cy="9144000"/>
@@ -165,18 +163,25 @@
         </p:nvSpPr>
         <p:spPr>
           <a:xfrm>
-            <a:off x="685800" y="2130425"/>
-            <a:ext cx="7772400" cy="1470025"/>
-          </a:xfrm>
-        </p:spPr>
-        <p:txBody>
-          <a:bodyPr/>
-          <a:lstStyle/>
+            <a:off x="2396319" y="802299"/>
+            <a:ext cx="5618515" cy="2541431"/>
+          </a:xfrm>
+        </p:spPr>
+        <p:txBody>
+          <a:bodyPr bIns="0" anchor="b">
+            <a:normAutofit/>
+          </a:bodyPr>
+          <a:lstStyle>
+            <a:lvl1pPr algn="l">
+              <a:defRPr sz="5400"/>
+            </a:lvl1pPr>
+          </a:lstStyle>
           <a:p>
             <a:r>
               <a:rPr lang="en-US"/>
               <a:t>Click to edit Master title style</a:t>
             </a:r>
+            <a:endParaRPr lang="en-US" dirty="0"/>
           </a:p>
         </p:txBody>
       </p:sp>
@@ -192,102 +197,54 @@
         </p:nvSpPr>
         <p:spPr>
           <a:xfrm>
-            <a:off x="1371600" y="3886200"/>
-            <a:ext cx="6400800" cy="1752600"/>
-          </a:xfrm>
-        </p:spPr>
-        <p:txBody>
-          <a:bodyPr/>
+            <a:off x="2396319" y="3531205"/>
+            <a:ext cx="5618515" cy="977621"/>
+          </a:xfrm>
+        </p:spPr>
+        <p:txBody>
+          <a:bodyPr tIns="91440" bIns="91440">
+            <a:normAutofit/>
+          </a:bodyPr>
           <a:lstStyle>
-            <a:lvl1pPr marL="0" indent="0" algn="ctr">
+            <a:lvl1pPr marL="0" indent="0" algn="l">
               <a:buNone/>
-              <a:defRPr>
-                <a:solidFill>
-                  <a:schemeClr val="tx1">
-                    <a:tint val="75000"/>
-                  </a:schemeClr>
+              <a:defRPr sz="1600" b="0" cap="all" baseline="0">
+                <a:solidFill>
+                  <a:schemeClr val="tx1"/>
                 </a:solidFill>
               </a:defRPr>
             </a:lvl1pPr>
-            <a:lvl2pPr marL="457200" indent="0" algn="ctr">
+            <a:lvl2pPr marL="342900" indent="0" algn="ctr">
               <a:buNone/>
-              <a:defRPr>
-                <a:solidFill>
-                  <a:schemeClr val="tx1">
-                    <a:tint val="75000"/>
-                  </a:schemeClr>
-                </a:solidFill>
-              </a:defRPr>
+              <a:defRPr sz="1500"/>
             </a:lvl2pPr>
-            <a:lvl3pPr marL="914400" indent="0" algn="ctr">
+            <a:lvl3pPr marL="685800" indent="0" algn="ctr">
               <a:buNone/>
-              <a:defRPr>
-                <a:solidFill>
-                  <a:schemeClr val="tx1">
-                    <a:tint val="75000"/>
-                  </a:schemeClr>
-                </a:solidFill>
-              </a:defRPr>
+              <a:defRPr sz="1350"/>
             </a:lvl3pPr>
-            <a:lvl4pPr marL="1371600" indent="0" algn="ctr">
+            <a:lvl4pPr marL="1028700" indent="0" algn="ctr">
               <a:buNone/>
-              <a:defRPr>
-                <a:solidFill>
-                  <a:schemeClr val="tx1">
-                    <a:tint val="75000"/>
-                  </a:schemeClr>
-                </a:solidFill>
-              </a:defRPr>
+              <a:defRPr sz="1200"/>
             </a:lvl4pPr>
-            <a:lvl5pPr marL="1828800" indent="0" algn="ctr">
+            <a:lvl5pPr marL="1371600" indent="0" algn="ctr">
               <a:buNone/>
-              <a:defRPr>
-                <a:solidFill>
-                  <a:schemeClr val="tx1">
-                    <a:tint val="75000"/>
-                  </a:schemeClr>
-                </a:solidFill>
-              </a:defRPr>
+              <a:defRPr sz="1200"/>
             </a:lvl5pPr>
-            <a:lvl6pPr marL="2286000" indent="0" algn="ctr">
+            <a:lvl6pPr marL="1714500" indent="0" algn="ctr">
               <a:buNone/>
-              <a:defRPr>
-                <a:solidFill>
-                  <a:schemeClr val="tx1">
-                    <a:tint val="75000"/>
-                  </a:schemeClr>
-                </a:solidFill>
-              </a:defRPr>
+              <a:defRPr sz="1200"/>
             </a:lvl6pPr>
-            <a:lvl7pPr marL="2743200" indent="0" algn="ctr">
+            <a:lvl7pPr marL="2057400" indent="0" algn="ctr">
               <a:buNone/>
-              <a:defRPr>
-                <a:solidFill>
-                  <a:schemeClr val="tx1">
-                    <a:tint val="75000"/>
-                  </a:schemeClr>
-                </a:solidFill>
-              </a:defRPr>
+              <a:defRPr sz="1200"/>
             </a:lvl7pPr>
-            <a:lvl8pPr marL="3200400" indent="0" algn="ctr">
+            <a:lvl8pPr marL="2400300" indent="0" algn="ctr">
               <a:buNone/>
-              <a:defRPr>
-                <a:solidFill>
-                  <a:schemeClr val="tx1">
-                    <a:tint val="75000"/>
-                  </a:schemeClr>
-                </a:solidFill>
-              </a:defRPr>
+              <a:defRPr sz="1200"/>
             </a:lvl8pPr>
-            <a:lvl9pPr marL="3657600" indent="0" algn="ctr">
+            <a:lvl9pPr marL="2743200" indent="0" algn="ctr">
               <a:buNone/>
-              <a:defRPr>
-                <a:solidFill>
-                  <a:schemeClr val="tx1">
-                    <a:tint val="75000"/>
-                  </a:schemeClr>
-                </a:solidFill>
-              </a:defRPr>
+              <a:defRPr sz="1200"/>
             </a:lvl9pPr>
           </a:lstStyle>
           <a:p>
@@ -295,6 +252,7 @@
               <a:rPr lang="en-US"/>
               <a:t>Click to edit Master subtitle style</a:t>
             </a:r>
+            <a:endParaRPr lang="en-US" dirty="0"/>
           </a:p>
         </p:txBody>
       </p:sp>
@@ -315,7 +273,7 @@
           <a:p>
             <a:fld id="{5BCAD085-E8A6-8845-BD4E-CB4CCA059FC4}" type="datetimeFigureOut">
               <a:rPr lang="en-US" smtClean="0"/>
-              <a:t>12/31/2025</a:t>
+              <a:t>1/5/2026</a:t>
             </a:fld>
             <a:endParaRPr lang="en-US"/>
           </a:p>
@@ -331,7 +289,12 @@
             <p:ph type="ftr" sz="quarter" idx="11"/>
           </p:nvPr>
         </p:nvSpPr>
-        <p:spPr/>
+        <p:spPr>
+          <a:xfrm>
+            <a:off x="2396319" y="329308"/>
+            <a:ext cx="3086292" cy="309201"/>
+          </a:xfrm>
+        </p:spPr>
         <p:txBody>
           <a:bodyPr/>
           <a:lstStyle/>
@@ -350,7 +313,12 @@
             <p:ph type="sldNum" sz="quarter" idx="12"/>
           </p:nvPr>
         </p:nvSpPr>
-        <p:spPr/>
+        <p:spPr>
+          <a:xfrm>
+            <a:off x="1434703" y="798973"/>
+            <a:ext cx="802005" cy="503578"/>
+          </a:xfrm>
+        </p:spPr>
         <p:txBody>
           <a:bodyPr/>
           <a:lstStyle/>
@@ -363,10 +331,41 @@
           </a:p>
         </p:txBody>
       </p:sp>
+      <p:cxnSp>
+        <p:nvCxnSpPr>
+          <p:cNvPr id="15" name="Straight Connector 14"/>
+          <p:cNvCxnSpPr/>
+          <p:nvPr/>
+        </p:nvCxnSpPr>
+        <p:spPr>
+          <a:xfrm>
+            <a:off x="2396319" y="3528542"/>
+            <a:ext cx="5618515" cy="0"/>
+          </a:xfrm>
+          <a:prstGeom prst="line">
+            <a:avLst/>
+          </a:prstGeom>
+          <a:ln w="31750"/>
+        </p:spPr>
+        <p:style>
+          <a:lnRef idx="3">
+            <a:schemeClr val="accent1"/>
+          </a:lnRef>
+          <a:fillRef idx="0">
+            <a:schemeClr val="accent1"/>
+          </a:fillRef>
+          <a:effectRef idx="2">
+            <a:schemeClr val="accent1"/>
+          </a:effectRef>
+          <a:fontRef idx="minor">
+            <a:schemeClr val="tx1"/>
+          </a:fontRef>
+        </p:style>
+      </p:cxnSp>
     </p:spTree>
     <p:extLst>
       <p:ext uri="{BB962C8B-B14F-4D97-AF65-F5344CB8AC3E}">
-        <p14:creationId xmlns:p14="http://schemas.microsoft.com/office/powerpoint/2010/main" val="3168075583"/>
+        <p14:creationId xmlns:p14="http://schemas.microsoft.com/office/powerpoint/2010/main" val="368732669"/>
       </p:ext>
     </p:extLst>
   </p:cSld>
@@ -393,6 +392,37 @@
           <a:chExt cx="0" cy="0"/>
         </a:xfrm>
       </p:grpSpPr>
+      <p:cxnSp>
+        <p:nvCxnSpPr>
+          <p:cNvPr id="33" name="Straight Connector 32"/>
+          <p:cNvCxnSpPr/>
+          <p:nvPr/>
+        </p:nvCxnSpPr>
+        <p:spPr>
+          <a:xfrm>
+            <a:off x="1443491" y="1847088"/>
+            <a:ext cx="6571343" cy="0"/>
+          </a:xfrm>
+          <a:prstGeom prst="line">
+            <a:avLst/>
+          </a:prstGeom>
+          <a:ln w="31750"/>
+        </p:spPr>
+        <p:style>
+          <a:lnRef idx="3">
+            <a:schemeClr val="accent1"/>
+          </a:lnRef>
+          <a:fillRef idx="0">
+            <a:schemeClr val="accent1"/>
+          </a:fillRef>
+          <a:effectRef idx="2">
+            <a:schemeClr val="accent1"/>
+          </a:effectRef>
+          <a:fontRef idx="minor">
+            <a:schemeClr val="tx1"/>
+          </a:fontRef>
+        </p:style>
+      </p:cxnSp>
       <p:sp>
         <p:nvSpPr>
           <p:cNvPr id="2" name="Title 1"/>
@@ -412,6 +442,7 @@
               <a:rPr lang="en-US"/>
               <a:t>Click to edit Master title style</a:t>
             </a:r>
+            <a:endParaRPr lang="en-US" dirty="0"/>
           </a:p>
         </p:txBody>
       </p:sp>
@@ -433,7 +464,7 @@
             <a:pPr lvl="0"/>
             <a:r>
               <a:rPr lang="en-US"/>
-              <a:t>Click to edit Master text styles</a:t>
+              <a:t>Edit Master text styles</a:t>
             </a:r>
           </a:p>
           <a:p>
@@ -463,6 +494,7 @@
               <a:rPr lang="en-US"/>
               <a:t>Fifth level</a:t>
             </a:r>
+            <a:endParaRPr lang="en-US" dirty="0"/>
           </a:p>
         </p:txBody>
       </p:sp>
@@ -483,7 +515,7 @@
           <a:p>
             <a:fld id="{5BCAD085-E8A6-8845-BD4E-CB4CCA059FC4}" type="datetimeFigureOut">
               <a:rPr lang="en-US" smtClean="0"/>
-              <a:t>12/31/2025</a:t>
+              <a:t>1/5/2026</a:t>
             </a:fld>
             <a:endParaRPr lang="en-US"/>
           </a:p>
@@ -534,7 +566,7 @@
     </p:spTree>
     <p:extLst>
       <p:ext uri="{BB962C8B-B14F-4D97-AF65-F5344CB8AC3E}">
-        <p14:creationId xmlns:p14="http://schemas.microsoft.com/office/powerpoint/2010/main" val="2910927964"/>
+        <p14:creationId xmlns:p14="http://schemas.microsoft.com/office/powerpoint/2010/main" val="1410362432"/>
       </p:ext>
     </p:extLst>
   </p:cSld>
@@ -573,18 +605,23 @@
         </p:nvSpPr>
         <p:spPr>
           <a:xfrm>
-            <a:off x="6629400" y="274638"/>
-            <a:ext cx="2057400" cy="5851525"/>
+            <a:off x="6918028" y="798974"/>
+            <a:ext cx="1103027" cy="4659889"/>
           </a:xfrm>
         </p:spPr>
         <p:txBody>
           <a:bodyPr vert="eaVert"/>
-          <a:lstStyle/>
+          <a:lstStyle>
+            <a:lvl1pPr algn="l">
+              <a:defRPr/>
+            </a:lvl1pPr>
+          </a:lstStyle>
           <a:p>
             <a:r>
               <a:rPr lang="en-US"/>
               <a:t>Click to edit Master title style</a:t>
             </a:r>
+            <a:endParaRPr lang="en-US" dirty="0"/>
           </a:p>
         </p:txBody>
       </p:sp>
@@ -600,8 +637,8 @@
         </p:nvSpPr>
         <p:spPr>
           <a:xfrm>
-            <a:off x="457200" y="274638"/>
-            <a:ext cx="6019800" cy="5851525"/>
+            <a:off x="1443491" y="798974"/>
+            <a:ext cx="5301095" cy="4659889"/>
           </a:xfrm>
         </p:spPr>
         <p:txBody>
@@ -611,7 +648,7 @@
             <a:pPr lvl="0"/>
             <a:r>
               <a:rPr lang="en-US"/>
-              <a:t>Click to edit Master text styles</a:t>
+              <a:t>Edit Master text styles</a:t>
             </a:r>
           </a:p>
           <a:p>
@@ -641,6 +678,7 @@
               <a:rPr lang="en-US"/>
               <a:t>Fifth level</a:t>
             </a:r>
+            <a:endParaRPr lang="en-US" dirty="0"/>
           </a:p>
         </p:txBody>
       </p:sp>
@@ -661,7 +699,7 @@
           <a:p>
             <a:fld id="{5BCAD085-E8A6-8845-BD4E-CB4CCA059FC4}" type="datetimeFigureOut">
               <a:rPr lang="en-US" smtClean="0"/>
-              <a:t>12/31/2025</a:t>
+              <a:t>1/5/2026</a:t>
             </a:fld>
             <a:endParaRPr lang="en-US"/>
           </a:p>
@@ -709,10 +747,41 @@
           </a:p>
         </p:txBody>
       </p:sp>
+      <p:cxnSp>
+        <p:nvCxnSpPr>
+          <p:cNvPr id="15" name="Straight Connector 14"/>
+          <p:cNvCxnSpPr/>
+          <p:nvPr/>
+        </p:nvCxnSpPr>
+        <p:spPr>
+          <a:xfrm>
+            <a:off x="6918028" y="798974"/>
+            <a:ext cx="0" cy="4659889"/>
+          </a:xfrm>
+          <a:prstGeom prst="line">
+            <a:avLst/>
+          </a:prstGeom>
+          <a:ln w="31750"/>
+        </p:spPr>
+        <p:style>
+          <a:lnRef idx="3">
+            <a:schemeClr val="accent1"/>
+          </a:lnRef>
+          <a:fillRef idx="0">
+            <a:schemeClr val="accent1"/>
+          </a:fillRef>
+          <a:effectRef idx="2">
+            <a:schemeClr val="accent1"/>
+          </a:effectRef>
+          <a:fontRef idx="minor">
+            <a:schemeClr val="tx1"/>
+          </a:fontRef>
+        </p:style>
+      </p:cxnSp>
     </p:spTree>
     <p:extLst>
       <p:ext uri="{BB962C8B-B14F-4D97-AF65-F5344CB8AC3E}">
-        <p14:creationId xmlns:p14="http://schemas.microsoft.com/office/powerpoint/2010/main" val="3612223792"/>
+        <p14:creationId xmlns:p14="http://schemas.microsoft.com/office/powerpoint/2010/main" val="2466153605"/>
       </p:ext>
     </p:extLst>
   </p:cSld>
@@ -758,6 +827,7 @@
               <a:rPr lang="en-US"/>
               <a:t>Click to edit Master title style</a:t>
             </a:r>
+            <a:endParaRPr lang="en-US" dirty="0"/>
           </a:p>
         </p:txBody>
       </p:sp>
@@ -773,13 +843,13 @@
         </p:nvSpPr>
         <p:spPr/>
         <p:txBody>
-          <a:bodyPr/>
+          <a:bodyPr anchor="t"/>
           <a:lstStyle/>
           <a:p>
             <a:pPr lvl="0"/>
             <a:r>
               <a:rPr lang="en-US"/>
-              <a:t>Click to edit Master text styles</a:t>
+              <a:t>Edit Master text styles</a:t>
             </a:r>
           </a:p>
           <a:p>
@@ -809,6 +879,7 @@
               <a:rPr lang="en-US"/>
               <a:t>Fifth level</a:t>
             </a:r>
+            <a:endParaRPr lang="en-US" dirty="0"/>
           </a:p>
         </p:txBody>
       </p:sp>
@@ -829,7 +900,7 @@
           <a:p>
             <a:fld id="{5BCAD085-E8A6-8845-BD4E-CB4CCA059FC4}" type="datetimeFigureOut">
               <a:rPr lang="en-US" smtClean="0"/>
-              <a:t>12/31/2025</a:t>
+              <a:t>1/5/2026</a:t>
             </a:fld>
             <a:endParaRPr lang="en-US"/>
           </a:p>
@@ -877,10 +948,41 @@
           </a:p>
         </p:txBody>
       </p:sp>
+      <p:cxnSp>
+        <p:nvCxnSpPr>
+          <p:cNvPr id="33" name="Straight Connector 32"/>
+          <p:cNvCxnSpPr/>
+          <p:nvPr/>
+        </p:nvCxnSpPr>
+        <p:spPr>
+          <a:xfrm>
+            <a:off x="1443491" y="1847088"/>
+            <a:ext cx="6571343" cy="0"/>
+          </a:xfrm>
+          <a:prstGeom prst="line">
+            <a:avLst/>
+          </a:prstGeom>
+          <a:ln w="31750"/>
+        </p:spPr>
+        <p:style>
+          <a:lnRef idx="3">
+            <a:schemeClr val="accent1"/>
+          </a:lnRef>
+          <a:fillRef idx="0">
+            <a:schemeClr val="accent1"/>
+          </a:fillRef>
+          <a:effectRef idx="2">
+            <a:schemeClr val="accent1"/>
+          </a:effectRef>
+          <a:fontRef idx="minor">
+            <a:schemeClr val="tx1"/>
+          </a:fontRef>
+        </p:style>
+      </p:cxnSp>
     </p:spTree>
     <p:extLst>
       <p:ext uri="{BB962C8B-B14F-4D97-AF65-F5344CB8AC3E}">
-        <p14:creationId xmlns:p14="http://schemas.microsoft.com/office/powerpoint/2010/main" val="2614314258"/>
+        <p14:creationId xmlns:p14="http://schemas.microsoft.com/office/powerpoint/2010/main" val="1716586304"/>
       </p:ext>
     </p:extLst>
   </p:cSld>
@@ -919,15 +1021,17 @@
         </p:nvSpPr>
         <p:spPr>
           <a:xfrm>
-            <a:off x="722313" y="4406900"/>
-            <a:ext cx="7772400" cy="1362075"/>
-          </a:xfrm>
-        </p:spPr>
-        <p:txBody>
-          <a:bodyPr anchor="t"/>
+            <a:off x="1443491" y="1756130"/>
+            <a:ext cx="5617002" cy="1887950"/>
+          </a:xfrm>
+        </p:spPr>
+        <p:txBody>
+          <a:bodyPr anchor="b">
+            <a:normAutofit/>
+          </a:bodyPr>
           <a:lstStyle>
             <a:lvl1pPr algn="l">
-              <a:defRPr sz="4000" b="1" cap="all"/>
+              <a:defRPr sz="3200"/>
             </a:lvl1pPr>
           </a:lstStyle>
           <a:p>
@@ -935,6 +1039,7 @@
               <a:rPr lang="en-US"/>
               <a:t>Click to edit Master title style</a:t>
             </a:r>
+            <a:endParaRPr lang="en-US" dirty="0"/>
           </a:p>
         </p:txBody>
       </p:sp>
@@ -950,109 +1055,109 @@
         </p:nvSpPr>
         <p:spPr>
           <a:xfrm>
-            <a:off x="722313" y="2906713"/>
-            <a:ext cx="7772400" cy="1500187"/>
-          </a:xfrm>
-        </p:spPr>
-        <p:txBody>
-          <a:bodyPr anchor="b"/>
+            <a:off x="1443492" y="3806196"/>
+            <a:ext cx="5617002" cy="1012929"/>
+          </a:xfrm>
+        </p:spPr>
+        <p:txBody>
+          <a:bodyPr tIns="91440">
+            <a:normAutofit/>
+          </a:bodyPr>
           <a:lstStyle>
-            <a:lvl1pPr marL="0" indent="0">
+            <a:lvl1pPr marL="0" indent="0" algn="l">
               <a:buNone/>
-              <a:defRPr sz="2000">
+              <a:defRPr sz="1800">
+                <a:solidFill>
+                  <a:schemeClr val="tx1"/>
+                </a:solidFill>
+              </a:defRPr>
+            </a:lvl1pPr>
+            <a:lvl2pPr marL="342900" indent="0">
+              <a:buNone/>
+              <a:defRPr sz="1500">
                 <a:solidFill>
                   <a:schemeClr val="tx1">
                     <a:tint val="75000"/>
                   </a:schemeClr>
                 </a:solidFill>
               </a:defRPr>
-            </a:lvl1pPr>
-            <a:lvl2pPr marL="457200" indent="0">
+            </a:lvl2pPr>
+            <a:lvl3pPr marL="685800" indent="0">
               <a:buNone/>
-              <a:defRPr sz="1800">
+              <a:defRPr sz="1350">
                 <a:solidFill>
                   <a:schemeClr val="tx1">
                     <a:tint val="75000"/>
                   </a:schemeClr>
                 </a:solidFill>
               </a:defRPr>
-            </a:lvl2pPr>
-            <a:lvl3pPr marL="914400" indent="0">
+            </a:lvl3pPr>
+            <a:lvl4pPr marL="1028700" indent="0">
               <a:buNone/>
-              <a:defRPr sz="1600">
+              <a:defRPr sz="1200">
                 <a:solidFill>
                   <a:schemeClr val="tx1">
                     <a:tint val="75000"/>
                   </a:schemeClr>
                 </a:solidFill>
               </a:defRPr>
-            </a:lvl3pPr>
-            <a:lvl4pPr marL="1371600" indent="0">
+            </a:lvl4pPr>
+            <a:lvl5pPr marL="1371600" indent="0">
               <a:buNone/>
-              <a:defRPr sz="1400">
+              <a:defRPr sz="1200">
                 <a:solidFill>
                   <a:schemeClr val="tx1">
                     <a:tint val="75000"/>
                   </a:schemeClr>
                 </a:solidFill>
               </a:defRPr>
-            </a:lvl4pPr>
-            <a:lvl5pPr marL="1828800" indent="0">
+            </a:lvl5pPr>
+            <a:lvl6pPr marL="1714500" indent="0">
               <a:buNone/>
-              <a:defRPr sz="1400">
+              <a:defRPr sz="1200">
                 <a:solidFill>
                   <a:schemeClr val="tx1">
                     <a:tint val="75000"/>
                   </a:schemeClr>
                 </a:solidFill>
               </a:defRPr>
-            </a:lvl5pPr>
-            <a:lvl6pPr marL="2286000" indent="0">
+            </a:lvl6pPr>
+            <a:lvl7pPr marL="2057400" indent="0">
               <a:buNone/>
-              <a:defRPr sz="1400">
+              <a:defRPr sz="1200">
                 <a:solidFill>
                   <a:schemeClr val="tx1">
                     <a:tint val="75000"/>
                   </a:schemeClr>
                 </a:solidFill>
               </a:defRPr>
-            </a:lvl6pPr>
-            <a:lvl7pPr marL="2743200" indent="0">
+            </a:lvl7pPr>
+            <a:lvl8pPr marL="2400300" indent="0">
               <a:buNone/>
-              <a:defRPr sz="1400">
+              <a:defRPr sz="1200">
                 <a:solidFill>
                   <a:schemeClr val="tx1">
                     <a:tint val="75000"/>
                   </a:schemeClr>
                 </a:solidFill>
               </a:defRPr>
-            </a:lvl7pPr>
-            <a:lvl8pPr marL="3200400" indent="0">
+            </a:lvl8pPr>
+            <a:lvl9pPr marL="2743200" indent="0">
               <a:buNone/>
-              <a:defRPr sz="1400">
+              <a:defRPr sz="1200">
                 <a:solidFill>
                   <a:schemeClr val="tx1">
                     <a:tint val="75000"/>
                   </a:schemeClr>
                 </a:solidFill>
               </a:defRPr>
-            </a:lvl8pPr>
-            <a:lvl9pPr marL="3657600" indent="0">
-              <a:buNone/>
-              <a:defRPr sz="1400">
-                <a:solidFill>
-                  <a:schemeClr val="tx1">
-                    <a:tint val="75000"/>
-                  </a:schemeClr>
-                </a:solidFill>
-              </a:defRPr>
             </a:lvl9pPr>
           </a:lstStyle>
           <a:p>
             <a:pPr lvl="0"/>
             <a:r>
               <a:rPr lang="en-US"/>
-              <a:t>Click to edit Master text styles</a:t>
+              <a:t>Edit Master text styles</a:t>
             </a:r>
           </a:p>
         </p:txBody>
@@ -1074,7 +1179,7 @@
           <a:p>
             <a:fld id="{5BCAD085-E8A6-8845-BD4E-CB4CCA059FC4}" type="datetimeFigureOut">
               <a:rPr lang="en-US" smtClean="0"/>
-              <a:t>12/31/2025</a:t>
+              <a:t>1/5/2026</a:t>
             </a:fld>
             <a:endParaRPr lang="en-US"/>
           </a:p>
@@ -1122,10 +1227,41 @@
           </a:p>
         </p:txBody>
       </p:sp>
+      <p:cxnSp>
+        <p:nvCxnSpPr>
+          <p:cNvPr id="15" name="Straight Connector 14"/>
+          <p:cNvCxnSpPr/>
+          <p:nvPr/>
+        </p:nvCxnSpPr>
+        <p:spPr>
+          <a:xfrm>
+            <a:off x="1443491" y="3804985"/>
+            <a:ext cx="5617002" cy="0"/>
+          </a:xfrm>
+          <a:prstGeom prst="line">
+            <a:avLst/>
+          </a:prstGeom>
+          <a:ln w="31750"/>
+        </p:spPr>
+        <p:style>
+          <a:lnRef idx="3">
+            <a:schemeClr val="accent1"/>
+          </a:lnRef>
+          <a:fillRef idx="0">
+            <a:schemeClr val="accent1"/>
+          </a:fillRef>
+          <a:effectRef idx="2">
+            <a:schemeClr val="accent1"/>
+          </a:effectRef>
+          <a:fontRef idx="minor">
+            <a:schemeClr val="tx1"/>
+          </a:fontRef>
+        </p:style>
+      </p:cxnSp>
     </p:spTree>
     <p:extLst>
       <p:ext uri="{BB962C8B-B14F-4D97-AF65-F5344CB8AC3E}">
-        <p14:creationId xmlns:p14="http://schemas.microsoft.com/office/powerpoint/2010/main" val="960648375"/>
+        <p14:creationId xmlns:p14="http://schemas.microsoft.com/office/powerpoint/2010/main" val="3300750024"/>
       </p:ext>
     </p:extLst>
   </p:cSld>
@@ -1162,7 +1298,12 @@
             <p:ph type="title"/>
           </p:nvPr>
         </p:nvSpPr>
-        <p:spPr/>
+        <p:spPr>
+          <a:xfrm>
+            <a:off x="1443491" y="804890"/>
+            <a:ext cx="6571343" cy="1059305"/>
+          </a:xfrm>
+        </p:spPr>
         <p:txBody>
           <a:bodyPr/>
           <a:lstStyle/>
@@ -1171,6 +1312,7 @@
               <a:rPr lang="en-US"/>
               <a:t>Click to edit Master title style</a:t>
             </a:r>
+            <a:endParaRPr lang="en-US" dirty="0"/>
           </a:p>
         </p:txBody>
       </p:sp>
@@ -1186,46 +1328,18 @@
         </p:nvSpPr>
         <p:spPr>
           <a:xfrm>
-            <a:off x="457200" y="1600200"/>
-            <a:ext cx="4038600" cy="4525963"/>
+            <a:off x="1443490" y="2013936"/>
+            <a:ext cx="3125871" cy="3437560"/>
           </a:xfrm>
         </p:spPr>
         <p:txBody>
           <a:bodyPr/>
-          <a:lstStyle>
-            <a:lvl1pPr>
-              <a:defRPr sz="2800"/>
-            </a:lvl1pPr>
-            <a:lvl2pPr>
-              <a:defRPr sz="2400"/>
-            </a:lvl2pPr>
-            <a:lvl3pPr>
-              <a:defRPr sz="2000"/>
-            </a:lvl3pPr>
-            <a:lvl4pPr>
-              <a:defRPr sz="1800"/>
-            </a:lvl4pPr>
-            <a:lvl5pPr>
-              <a:defRPr sz="1800"/>
-            </a:lvl5pPr>
-            <a:lvl6pPr>
-              <a:defRPr sz="1800"/>
-            </a:lvl6pPr>
-            <a:lvl7pPr>
-              <a:defRPr sz="1800"/>
-            </a:lvl7pPr>
-            <a:lvl8pPr>
-              <a:defRPr sz="1800"/>
-            </a:lvl8pPr>
-            <a:lvl9pPr>
-              <a:defRPr sz="1800"/>
-            </a:lvl9pPr>
-          </a:lstStyle>
+          <a:lstStyle/>
           <a:p>
             <a:pPr lvl="0"/>
             <a:r>
               <a:rPr lang="en-US"/>
-              <a:t>Click to edit Master text styles</a:t>
+              <a:t>Edit Master text styles</a:t>
             </a:r>
           </a:p>
           <a:p>
@@ -1255,6 +1369,7 @@
               <a:rPr lang="en-US"/>
               <a:t>Fifth level</a:t>
             </a:r>
+            <a:endParaRPr lang="en-US" dirty="0"/>
           </a:p>
         </p:txBody>
       </p:sp>
@@ -1270,46 +1385,18 @@
         </p:nvSpPr>
         <p:spPr>
           <a:xfrm>
-            <a:off x="4648200" y="1600200"/>
-            <a:ext cx="4038600" cy="4525963"/>
+            <a:off x="4889182" y="2013936"/>
+            <a:ext cx="3125652" cy="3437559"/>
           </a:xfrm>
         </p:spPr>
         <p:txBody>
           <a:bodyPr/>
-          <a:lstStyle>
-            <a:lvl1pPr>
-              <a:defRPr sz="2800"/>
-            </a:lvl1pPr>
-            <a:lvl2pPr>
-              <a:defRPr sz="2400"/>
-            </a:lvl2pPr>
-            <a:lvl3pPr>
-              <a:defRPr sz="2000"/>
-            </a:lvl3pPr>
-            <a:lvl4pPr>
-              <a:defRPr sz="1800"/>
-            </a:lvl4pPr>
-            <a:lvl5pPr>
-              <a:defRPr sz="1800"/>
-            </a:lvl5pPr>
-            <a:lvl6pPr>
-              <a:defRPr sz="1800"/>
-            </a:lvl6pPr>
-            <a:lvl7pPr>
-              <a:defRPr sz="1800"/>
-            </a:lvl7pPr>
-            <a:lvl8pPr>
-              <a:defRPr sz="1800"/>
-            </a:lvl8pPr>
-            <a:lvl9pPr>
-              <a:defRPr sz="1800"/>
-            </a:lvl9pPr>
-          </a:lstStyle>
+          <a:lstStyle/>
           <a:p>
             <a:pPr lvl="0"/>
             <a:r>
               <a:rPr lang="en-US"/>
-              <a:t>Click to edit Master text styles</a:t>
+              <a:t>Edit Master text styles</a:t>
             </a:r>
           </a:p>
           <a:p>
@@ -1339,6 +1426,7 @@
               <a:rPr lang="en-US"/>
               <a:t>Fifth level</a:t>
             </a:r>
+            <a:endParaRPr lang="en-US" dirty="0"/>
           </a:p>
         </p:txBody>
       </p:sp>
@@ -1359,7 +1447,7 @@
           <a:p>
             <a:fld id="{5BCAD085-E8A6-8845-BD4E-CB4CCA059FC4}" type="datetimeFigureOut">
               <a:rPr lang="en-US" smtClean="0"/>
-              <a:t>12/31/2025</a:t>
+              <a:t>1/5/2026</a:t>
             </a:fld>
             <a:endParaRPr lang="en-US"/>
           </a:p>
@@ -1407,10 +1495,41 @@
           </a:p>
         </p:txBody>
       </p:sp>
+      <p:cxnSp>
+        <p:nvCxnSpPr>
+          <p:cNvPr id="33" name="Straight Connector 32"/>
+          <p:cNvCxnSpPr/>
+          <p:nvPr/>
+        </p:nvCxnSpPr>
+        <p:spPr>
+          <a:xfrm>
+            <a:off x="1443491" y="1847088"/>
+            <a:ext cx="6571343" cy="0"/>
+          </a:xfrm>
+          <a:prstGeom prst="line">
+            <a:avLst/>
+          </a:prstGeom>
+          <a:ln w="31750"/>
+        </p:spPr>
+        <p:style>
+          <a:lnRef idx="3">
+            <a:schemeClr val="accent1"/>
+          </a:lnRef>
+          <a:fillRef idx="0">
+            <a:schemeClr val="accent1"/>
+          </a:fillRef>
+          <a:effectRef idx="2">
+            <a:schemeClr val="accent1"/>
+          </a:effectRef>
+          <a:fontRef idx="minor">
+            <a:schemeClr val="tx1"/>
+          </a:fontRef>
+        </p:style>
+      </p:cxnSp>
     </p:spTree>
     <p:extLst>
       <p:ext uri="{BB962C8B-B14F-4D97-AF65-F5344CB8AC3E}">
-        <p14:creationId xmlns:p14="http://schemas.microsoft.com/office/powerpoint/2010/main" val="2782244947"/>
+        <p14:creationId xmlns:p14="http://schemas.microsoft.com/office/powerpoint/2010/main" val="1924741489"/>
       </p:ext>
     </p:extLst>
   </p:cSld>
@@ -1437,6 +1556,37 @@
           <a:chExt cx="0" cy="0"/>
         </a:xfrm>
       </p:grpSpPr>
+      <p:cxnSp>
+        <p:nvCxnSpPr>
+          <p:cNvPr id="36" name="Straight Connector 35"/>
+          <p:cNvCxnSpPr/>
+          <p:nvPr/>
+        </p:nvCxnSpPr>
+        <p:spPr>
+          <a:xfrm>
+            <a:off x="1443491" y="1847088"/>
+            <a:ext cx="6571343" cy="0"/>
+          </a:xfrm>
+          <a:prstGeom prst="line">
+            <a:avLst/>
+          </a:prstGeom>
+          <a:ln w="31750"/>
+        </p:spPr>
+        <p:style>
+          <a:lnRef idx="3">
+            <a:schemeClr val="accent1"/>
+          </a:lnRef>
+          <a:fillRef idx="0">
+            <a:schemeClr val="accent1"/>
+          </a:fillRef>
+          <a:effectRef idx="2">
+            <a:schemeClr val="accent1"/>
+          </a:effectRef>
+          <a:fontRef idx="minor">
+            <a:schemeClr val="tx1"/>
+          </a:fontRef>
+        </p:style>
+      </p:cxnSp>
       <p:sp>
         <p:nvSpPr>
           <p:cNvPr id="2" name="Title 1"/>
@@ -1447,19 +1597,21 @@
             <p:ph type="title"/>
           </p:nvPr>
         </p:nvSpPr>
-        <p:spPr/>
+        <p:spPr>
+          <a:xfrm>
+            <a:off x="1443491" y="804164"/>
+            <a:ext cx="6571344" cy="1056319"/>
+          </a:xfrm>
+        </p:spPr>
         <p:txBody>
           <a:bodyPr/>
-          <a:lstStyle>
-            <a:lvl1pPr>
-              <a:defRPr/>
-            </a:lvl1pPr>
-          </a:lstStyle>
+          <a:lstStyle/>
           <a:p>
             <a:r>
               <a:rPr lang="en-US"/>
               <a:t>Click to edit Master title style</a:t>
             </a:r>
+            <a:endParaRPr lang="en-US" dirty="0"/>
           </a:p>
         </p:txBody>
       </p:sp>
@@ -1475,55 +1627,64 @@
         </p:nvSpPr>
         <p:spPr>
           <a:xfrm>
-            <a:off x="457200" y="1535113"/>
-            <a:ext cx="4040188" cy="639762"/>
-          </a:xfrm>
-        </p:spPr>
-        <p:txBody>
-          <a:bodyPr anchor="b"/>
+            <a:off x="1443491" y="2019550"/>
+            <a:ext cx="3125766" cy="801943"/>
+          </a:xfrm>
+        </p:spPr>
+        <p:txBody>
+          <a:bodyPr anchor="b">
+            <a:normAutofit/>
+          </a:bodyPr>
           <a:lstStyle>
             <a:lvl1pPr marL="0" indent="0">
+              <a:lnSpc>
+                <a:spcPct val="100000"/>
+              </a:lnSpc>
               <a:buNone/>
-              <a:defRPr sz="2400" b="1"/>
+              <a:defRPr sz="2200" b="0" cap="all" baseline="0">
+                <a:solidFill>
+                  <a:schemeClr val="accent1"/>
+                </a:solidFill>
+              </a:defRPr>
             </a:lvl1pPr>
-            <a:lvl2pPr marL="457200" indent="0">
+            <a:lvl2pPr marL="342900" indent="0">
               <a:buNone/>
-              <a:defRPr sz="2000" b="1"/>
+              <a:defRPr sz="1500" b="1"/>
             </a:lvl2pPr>
-            <a:lvl3pPr marL="914400" indent="0">
+            <a:lvl3pPr marL="685800" indent="0">
               <a:buNone/>
-              <a:defRPr sz="1800" b="1"/>
+              <a:defRPr sz="1350" b="1"/>
             </a:lvl3pPr>
-            <a:lvl4pPr marL="1371600" indent="0">
+            <a:lvl4pPr marL="1028700" indent="0">
               <a:buNone/>
-              <a:defRPr sz="1600" b="1"/>
+              <a:defRPr sz="1200" b="1"/>
             </a:lvl4pPr>
-            <a:lvl5pPr marL="1828800" indent="0">
+            <a:lvl5pPr marL="1371600" indent="0">
               <a:buNone/>
-              <a:defRPr sz="1600" b="1"/>
+              <a:defRPr sz="1200" b="1"/>
             </a:lvl5pPr>
-            <a:lvl6pPr marL="2286000" indent="0">
+            <a:lvl6pPr marL="1714500" indent="0">
               <a:buNone/>
-              <a:defRPr sz="1600" b="1"/>
+              <a:defRPr sz="1200" b="1"/>
             </a:lvl6pPr>
-            <a:lvl7pPr marL="2743200" indent="0">
+            <a:lvl7pPr marL="2057400" indent="0">
               <a:buNone/>
-              <a:defRPr sz="1600" b="1"/>
+              <a:defRPr sz="1200" b="1"/>
             </a:lvl7pPr>
-            <a:lvl8pPr marL="3200400" indent="0">
+            <a:lvl8pPr marL="2400300" indent="0">
               <a:buNone/>
-              <a:defRPr sz="1600" b="1"/>
+              <a:defRPr sz="1200" b="1"/>
             </a:lvl8pPr>
-            <a:lvl9pPr marL="3657600" indent="0">
+            <a:lvl9pPr marL="2743200" indent="0">
               <a:buNone/>
-              <a:defRPr sz="1600" b="1"/>
+              <a:defRPr sz="1200" b="1"/>
             </a:lvl9pPr>
           </a:lstStyle>
           <a:p>
             <a:pPr lvl="0"/>
             <a:r>
               <a:rPr lang="en-US"/>
-              <a:t>Click to edit Master text styles</a:t>
+              <a:t>Edit Master text styles</a:t>
             </a:r>
           </a:p>
         </p:txBody>
@@ -1540,46 +1701,18 @@
         </p:nvSpPr>
         <p:spPr>
           <a:xfrm>
-            <a:off x="457200" y="2174875"/>
-            <a:ext cx="4040188" cy="3951288"/>
+            <a:off x="1443491" y="2824270"/>
+            <a:ext cx="3125766" cy="2644457"/>
           </a:xfrm>
         </p:spPr>
         <p:txBody>
           <a:bodyPr/>
-          <a:lstStyle>
-            <a:lvl1pPr>
-              <a:defRPr sz="2400"/>
-            </a:lvl1pPr>
-            <a:lvl2pPr>
-              <a:defRPr sz="2000"/>
-            </a:lvl2pPr>
-            <a:lvl3pPr>
-              <a:defRPr sz="1800"/>
-            </a:lvl3pPr>
-            <a:lvl4pPr>
-              <a:defRPr sz="1600"/>
-            </a:lvl4pPr>
-            <a:lvl5pPr>
-              <a:defRPr sz="1600"/>
-            </a:lvl5pPr>
-            <a:lvl6pPr>
-              <a:defRPr sz="1600"/>
-            </a:lvl6pPr>
-            <a:lvl7pPr>
-              <a:defRPr sz="1600"/>
-            </a:lvl7pPr>
-            <a:lvl8pPr>
-              <a:defRPr sz="1600"/>
-            </a:lvl8pPr>
-            <a:lvl9pPr>
-              <a:defRPr sz="1600"/>
-            </a:lvl9pPr>
-          </a:lstStyle>
+          <a:lstStyle/>
           <a:p>
             <a:pPr lvl="0"/>
             <a:r>
               <a:rPr lang="en-US"/>
-              <a:t>Click to edit Master text styles</a:t>
+              <a:t>Edit Master text styles</a:t>
             </a:r>
           </a:p>
           <a:p>
@@ -1609,6 +1742,7 @@
               <a:rPr lang="en-US"/>
               <a:t>Fifth level</a:t>
             </a:r>
+            <a:endParaRPr lang="en-US" dirty="0"/>
           </a:p>
         </p:txBody>
       </p:sp>
@@ -1624,55 +1758,64 @@
         </p:nvSpPr>
         <p:spPr>
           <a:xfrm>
-            <a:off x="4645025" y="1535113"/>
-            <a:ext cx="4041775" cy="639762"/>
-          </a:xfrm>
-        </p:spPr>
-        <p:txBody>
-          <a:bodyPr anchor="b"/>
+            <a:off x="4889182" y="2023004"/>
+            <a:ext cx="3125652" cy="802237"/>
+          </a:xfrm>
+        </p:spPr>
+        <p:txBody>
+          <a:bodyPr anchor="b">
+            <a:normAutofit/>
+          </a:bodyPr>
           <a:lstStyle>
             <a:lvl1pPr marL="0" indent="0">
+              <a:lnSpc>
+                <a:spcPct val="100000"/>
+              </a:lnSpc>
               <a:buNone/>
-              <a:defRPr sz="2400" b="1"/>
+              <a:defRPr sz="2200" b="0" cap="all" baseline="0">
+                <a:solidFill>
+                  <a:schemeClr val="accent1"/>
+                </a:solidFill>
+              </a:defRPr>
             </a:lvl1pPr>
-            <a:lvl2pPr marL="457200" indent="0">
+            <a:lvl2pPr marL="342900" indent="0">
               <a:buNone/>
-              <a:defRPr sz="2000" b="1"/>
+              <a:defRPr sz="1500" b="1"/>
             </a:lvl2pPr>
-            <a:lvl3pPr marL="914400" indent="0">
+            <a:lvl3pPr marL="685800" indent="0">
               <a:buNone/>
-              <a:defRPr sz="1800" b="1"/>
+              <a:defRPr sz="1350" b="1"/>
             </a:lvl3pPr>
-            <a:lvl4pPr marL="1371600" indent="0">
+            <a:lvl4pPr marL="1028700" indent="0">
               <a:buNone/>
-              <a:defRPr sz="1600" b="1"/>
+              <a:defRPr sz="1200" b="1"/>
             </a:lvl4pPr>
-            <a:lvl5pPr marL="1828800" indent="0">
+            <a:lvl5pPr marL="1371600" indent="0">
               <a:buNone/>
-              <a:defRPr sz="1600" b="1"/>
+              <a:defRPr sz="1200" b="1"/>
             </a:lvl5pPr>
-            <a:lvl6pPr marL="2286000" indent="0">
+            <a:lvl6pPr marL="1714500" indent="0">
               <a:buNone/>
-              <a:defRPr sz="1600" b="1"/>
+              <a:defRPr sz="1200" b="1"/>
             </a:lvl6pPr>
-            <a:lvl7pPr marL="2743200" indent="0">
+            <a:lvl7pPr marL="2057400" indent="0">
               <a:buNone/>
-              <a:defRPr sz="1600" b="1"/>
+              <a:defRPr sz="1200" b="1"/>
             </a:lvl7pPr>
-            <a:lvl8pPr marL="3200400" indent="0">
+            <a:lvl8pPr marL="2400300" indent="0">
               <a:buNone/>
-              <a:defRPr sz="1600" b="1"/>
+              <a:defRPr sz="1200" b="1"/>
             </a:lvl8pPr>
-            <a:lvl9pPr marL="3657600" indent="0">
+            <a:lvl9pPr marL="2743200" indent="0">
               <a:buNone/>
-              <a:defRPr sz="1600" b="1"/>
+              <a:defRPr sz="1200" b="1"/>
             </a:lvl9pPr>
           </a:lstStyle>
           <a:p>
             <a:pPr lvl="0"/>
             <a:r>
               <a:rPr lang="en-US"/>
-              <a:t>Click to edit Master text styles</a:t>
+              <a:t>Edit Master text styles</a:t>
             </a:r>
           </a:p>
         </p:txBody>
@@ -1689,46 +1832,18 @@
         </p:nvSpPr>
         <p:spPr>
           <a:xfrm>
-            <a:off x="4645025" y="2174875"/>
-            <a:ext cx="4041775" cy="3951288"/>
+            <a:off x="4889182" y="2821491"/>
+            <a:ext cx="3125652" cy="2637371"/>
           </a:xfrm>
         </p:spPr>
         <p:txBody>
           <a:bodyPr/>
-          <a:lstStyle>
-            <a:lvl1pPr>
-              <a:defRPr sz="2400"/>
-            </a:lvl1pPr>
-            <a:lvl2pPr>
-              <a:defRPr sz="2000"/>
-            </a:lvl2pPr>
-            <a:lvl3pPr>
-              <a:defRPr sz="1800"/>
-            </a:lvl3pPr>
-            <a:lvl4pPr>
-              <a:defRPr sz="1600"/>
-            </a:lvl4pPr>
-            <a:lvl5pPr>
-              <a:defRPr sz="1600"/>
-            </a:lvl5pPr>
-            <a:lvl6pPr>
-              <a:defRPr sz="1600"/>
-            </a:lvl6pPr>
-            <a:lvl7pPr>
-              <a:defRPr sz="1600"/>
-            </a:lvl7pPr>
-            <a:lvl8pPr>
-              <a:defRPr sz="1600"/>
-            </a:lvl8pPr>
-            <a:lvl9pPr>
-              <a:defRPr sz="1600"/>
-            </a:lvl9pPr>
-          </a:lstStyle>
+          <a:lstStyle/>
           <a:p>
             <a:pPr lvl="0"/>
             <a:r>
               <a:rPr lang="en-US"/>
-              <a:t>Click to edit Master text styles</a:t>
+              <a:t>Edit Master text styles</a:t>
             </a:r>
           </a:p>
           <a:p>
@@ -1758,6 +1873,7 @@
               <a:rPr lang="en-US"/>
               <a:t>Fifth level</a:t>
             </a:r>
+            <a:endParaRPr lang="en-US" dirty="0"/>
           </a:p>
         </p:txBody>
       </p:sp>
@@ -1778,7 +1894,7 @@
           <a:p>
             <a:fld id="{5BCAD085-E8A6-8845-BD4E-CB4CCA059FC4}" type="datetimeFigureOut">
               <a:rPr lang="en-US" smtClean="0"/>
-              <a:t>12/31/2025</a:t>
+              <a:t>1/5/2026</a:t>
             </a:fld>
             <a:endParaRPr lang="en-US"/>
           </a:p>
@@ -1829,7 +1945,7 @@
     </p:spTree>
     <p:extLst>
       <p:ext uri="{BB962C8B-B14F-4D97-AF65-F5344CB8AC3E}">
-        <p14:creationId xmlns:p14="http://schemas.microsoft.com/office/powerpoint/2010/main" val="990158736"/>
+        <p14:creationId xmlns:p14="http://schemas.microsoft.com/office/powerpoint/2010/main" val="1962222282"/>
       </p:ext>
     </p:extLst>
   </p:cSld>
@@ -1856,6 +1972,37 @@
           <a:chExt cx="0" cy="0"/>
         </a:xfrm>
       </p:grpSpPr>
+      <p:cxnSp>
+        <p:nvCxnSpPr>
+          <p:cNvPr id="32" name="Straight Connector 31"/>
+          <p:cNvCxnSpPr/>
+          <p:nvPr/>
+        </p:nvCxnSpPr>
+        <p:spPr>
+          <a:xfrm>
+            <a:off x="1443491" y="1847088"/>
+            <a:ext cx="6571343" cy="0"/>
+          </a:xfrm>
+          <a:prstGeom prst="line">
+            <a:avLst/>
+          </a:prstGeom>
+          <a:ln w="31750"/>
+        </p:spPr>
+        <p:style>
+          <a:lnRef idx="3">
+            <a:schemeClr val="accent1"/>
+          </a:lnRef>
+          <a:fillRef idx="0">
+            <a:schemeClr val="accent1"/>
+          </a:fillRef>
+          <a:effectRef idx="2">
+            <a:schemeClr val="accent1"/>
+          </a:effectRef>
+          <a:fontRef idx="minor">
+            <a:schemeClr val="tx1"/>
+          </a:fontRef>
+        </p:style>
+      </p:cxnSp>
       <p:sp>
         <p:nvSpPr>
           <p:cNvPr id="2" name="Title 1"/>
@@ -1875,6 +2022,7 @@
               <a:rPr lang="en-US"/>
               <a:t>Click to edit Master title style</a:t>
             </a:r>
+            <a:endParaRPr lang="en-US" dirty="0"/>
           </a:p>
         </p:txBody>
       </p:sp>
@@ -1895,7 +2043,7 @@
           <a:p>
             <a:fld id="{5BCAD085-E8A6-8845-BD4E-CB4CCA059FC4}" type="datetimeFigureOut">
               <a:rPr lang="en-US" smtClean="0"/>
-              <a:t>12/31/2025</a:t>
+              <a:t>1/5/2026</a:t>
             </a:fld>
             <a:endParaRPr lang="en-US"/>
           </a:p>
@@ -1946,7 +2094,7 @@
     </p:spTree>
     <p:extLst>
       <p:ext uri="{BB962C8B-B14F-4D97-AF65-F5344CB8AC3E}">
-        <p14:creationId xmlns:p14="http://schemas.microsoft.com/office/powerpoint/2010/main" val="727027711"/>
+        <p14:creationId xmlns:p14="http://schemas.microsoft.com/office/powerpoint/2010/main" val="855127921"/>
       </p:ext>
     </p:extLst>
   </p:cSld>
@@ -1990,7 +2138,7 @@
           <a:p>
             <a:fld id="{5BCAD085-E8A6-8845-BD4E-CB4CCA059FC4}" type="datetimeFigureOut">
               <a:rPr lang="en-US" smtClean="0"/>
-              <a:t>12/31/2025</a:t>
+              <a:t>1/5/2026</a:t>
             </a:fld>
             <a:endParaRPr lang="en-US"/>
           </a:p>
@@ -2041,7 +2189,7 @@
     </p:spTree>
     <p:extLst>
       <p:ext uri="{BB962C8B-B14F-4D97-AF65-F5344CB8AC3E}">
-        <p14:creationId xmlns:p14="http://schemas.microsoft.com/office/powerpoint/2010/main" val="1212999818"/>
+        <p14:creationId xmlns:p14="http://schemas.microsoft.com/office/powerpoint/2010/main" val="4051881262"/>
       </p:ext>
     </p:extLst>
   </p:cSld>
@@ -2080,15 +2228,17 @@
         </p:nvSpPr>
         <p:spPr>
           <a:xfrm>
-            <a:off x="457200" y="273050"/>
-            <a:ext cx="3008313" cy="1162050"/>
-          </a:xfrm>
-        </p:spPr>
-        <p:txBody>
-          <a:bodyPr anchor="b"/>
+            <a:off x="1439042" y="798973"/>
+            <a:ext cx="2425950" cy="2247117"/>
+          </a:xfrm>
+        </p:spPr>
+        <p:txBody>
+          <a:bodyPr anchor="b">
+            <a:normAutofit/>
+          </a:bodyPr>
           <a:lstStyle>
             <a:lvl1pPr algn="l">
-              <a:defRPr sz="2000" b="1"/>
+              <a:defRPr sz="2400"/>
             </a:lvl1pPr>
           </a:lstStyle>
           <a:p>
@@ -2096,6 +2246,7 @@
               <a:rPr lang="en-US"/>
               <a:t>Click to edit Master title style</a:t>
             </a:r>
+            <a:endParaRPr lang="en-US" dirty="0"/>
           </a:p>
         </p:txBody>
       </p:sp>
@@ -2111,46 +2262,18 @@
         </p:nvSpPr>
         <p:spPr>
           <a:xfrm>
-            <a:off x="3575050" y="273050"/>
-            <a:ext cx="5111750" cy="5853113"/>
-          </a:xfrm>
-        </p:spPr>
-        <p:txBody>
-          <a:bodyPr/>
-          <a:lstStyle>
-            <a:lvl1pPr>
-              <a:defRPr sz="3200"/>
-            </a:lvl1pPr>
-            <a:lvl2pPr>
-              <a:defRPr sz="2800"/>
-            </a:lvl2pPr>
-            <a:lvl3pPr>
-              <a:defRPr sz="2400"/>
-            </a:lvl3pPr>
-            <a:lvl4pPr>
-              <a:defRPr sz="2000"/>
-            </a:lvl4pPr>
-            <a:lvl5pPr>
-              <a:defRPr sz="2000"/>
-            </a:lvl5pPr>
-            <a:lvl6pPr>
-              <a:defRPr sz="2000"/>
-            </a:lvl6pPr>
-            <a:lvl7pPr>
-              <a:defRPr sz="2000"/>
-            </a:lvl7pPr>
-            <a:lvl8pPr>
-              <a:defRPr sz="2000"/>
-            </a:lvl8pPr>
-            <a:lvl9pPr>
-              <a:defRPr sz="2000"/>
-            </a:lvl9pPr>
-          </a:lstStyle>
+            <a:off x="4186656" y="798974"/>
+            <a:ext cx="3828178" cy="4658826"/>
+          </a:xfrm>
+        </p:spPr>
+        <p:txBody>
+          <a:bodyPr anchor="ctr"/>
+          <a:lstStyle/>
           <a:p>
             <a:pPr lvl="0"/>
             <a:r>
               <a:rPr lang="en-US"/>
-              <a:t>Click to edit Master text styles</a:t>
+              <a:t>Edit Master text styles</a:t>
             </a:r>
           </a:p>
           <a:p>
@@ -2180,6 +2303,7 @@
               <a:rPr lang="en-US"/>
               <a:t>Fifth level</a:t>
             </a:r>
+            <a:endParaRPr lang="en-US" dirty="0"/>
           </a:p>
         </p:txBody>
       </p:sp>
@@ -2195,55 +2319,57 @@
         </p:nvSpPr>
         <p:spPr>
           <a:xfrm>
-            <a:off x="457200" y="1435100"/>
-            <a:ext cx="3008313" cy="4691063"/>
-          </a:xfrm>
-        </p:spPr>
-        <p:txBody>
-          <a:bodyPr/>
+            <a:off x="1439042" y="3205492"/>
+            <a:ext cx="2427369" cy="2248181"/>
+          </a:xfrm>
+        </p:spPr>
+        <p:txBody>
+          <a:bodyPr>
+            <a:normAutofit/>
+          </a:bodyPr>
           <a:lstStyle>
-            <a:lvl1pPr marL="0" indent="0">
+            <a:lvl1pPr marL="0" indent="0" algn="l">
               <a:buNone/>
-              <a:defRPr sz="1400"/>
+              <a:defRPr sz="1600"/>
             </a:lvl1pPr>
-            <a:lvl2pPr marL="457200" indent="0">
+            <a:lvl2pPr marL="342900" indent="0">
               <a:buNone/>
-              <a:defRPr sz="1200"/>
+              <a:defRPr sz="1050"/>
             </a:lvl2pPr>
-            <a:lvl3pPr marL="914400" indent="0">
-              <a:buNone/>
-              <a:defRPr sz="1000"/>
-            </a:lvl3pPr>
-            <a:lvl4pPr marL="1371600" indent="0">
+            <a:lvl3pPr marL="685800" indent="0">
               <a:buNone/>
               <a:defRPr sz="900"/>
+            </a:lvl3pPr>
+            <a:lvl4pPr marL="1028700" indent="0">
+              <a:buNone/>
+              <a:defRPr sz="750"/>
             </a:lvl4pPr>
-            <a:lvl5pPr marL="1828800" indent="0">
+            <a:lvl5pPr marL="1371600" indent="0">
               <a:buNone/>
-              <a:defRPr sz="900"/>
+              <a:defRPr sz="750"/>
             </a:lvl5pPr>
-            <a:lvl6pPr marL="2286000" indent="0">
+            <a:lvl6pPr marL="1714500" indent="0">
               <a:buNone/>
-              <a:defRPr sz="900"/>
+              <a:defRPr sz="750"/>
             </a:lvl6pPr>
-            <a:lvl7pPr marL="2743200" indent="0">
+            <a:lvl7pPr marL="2057400" indent="0">
               <a:buNone/>
-              <a:defRPr sz="900"/>
+              <a:defRPr sz="750"/>
             </a:lvl7pPr>
-            <a:lvl8pPr marL="3200400" indent="0">
+            <a:lvl8pPr marL="2400300" indent="0">
               <a:buNone/>
-              <a:defRPr sz="900"/>
+              <a:defRPr sz="750"/>
             </a:lvl8pPr>
-            <a:lvl9pPr marL="3657600" indent="0">
+            <a:lvl9pPr marL="2743200" indent="0">
               <a:buNone/>
-              <a:defRPr sz="900"/>
+              <a:defRPr sz="750"/>
             </a:lvl9pPr>
           </a:lstStyle>
           <a:p>
             <a:pPr lvl="0"/>
             <a:r>
               <a:rPr lang="en-US"/>
-              <a:t>Click to edit Master text styles</a:t>
+              <a:t>Edit Master text styles</a:t>
             </a:r>
           </a:p>
         </p:txBody>
@@ -2265,7 +2391,7 @@
           <a:p>
             <a:fld id="{5BCAD085-E8A6-8845-BD4E-CB4CCA059FC4}" type="datetimeFigureOut">
               <a:rPr lang="en-US" smtClean="0"/>
-              <a:t>12/31/2025</a:t>
+              <a:t>1/5/2026</a:t>
             </a:fld>
             <a:endParaRPr lang="en-US"/>
           </a:p>
@@ -2313,10 +2439,41 @@
           </a:p>
         </p:txBody>
       </p:sp>
+      <p:cxnSp>
+        <p:nvCxnSpPr>
+          <p:cNvPr id="17" name="Straight Connector 16"/>
+          <p:cNvCxnSpPr/>
+          <p:nvPr/>
+        </p:nvCxnSpPr>
+        <p:spPr>
+          <a:xfrm>
+            <a:off x="1441748" y="3205491"/>
+            <a:ext cx="2423276" cy="0"/>
+          </a:xfrm>
+          <a:prstGeom prst="line">
+            <a:avLst/>
+          </a:prstGeom>
+          <a:ln w="31750"/>
+        </p:spPr>
+        <p:style>
+          <a:lnRef idx="3">
+            <a:schemeClr val="accent1"/>
+          </a:lnRef>
+          <a:fillRef idx="0">
+            <a:schemeClr val="accent1"/>
+          </a:fillRef>
+          <a:effectRef idx="2">
+            <a:schemeClr val="accent1"/>
+          </a:effectRef>
+          <a:fontRef idx="minor">
+            <a:schemeClr val="tx1"/>
+          </a:fontRef>
+        </p:style>
+      </p:cxnSp>
     </p:spTree>
     <p:extLst>
       <p:ext uri="{BB962C8B-B14F-4D97-AF65-F5344CB8AC3E}">
-        <p14:creationId xmlns:p14="http://schemas.microsoft.com/office/powerpoint/2010/main" val="1840726560"/>
+        <p14:creationId xmlns:p14="http://schemas.microsoft.com/office/powerpoint/2010/main" val="1874743334"/>
       </p:ext>
     </p:extLst>
   </p:cSld>
@@ -2343,6 +2500,140 @@
           <a:chExt cx="0" cy="0"/>
         </a:xfrm>
       </p:grpSpPr>
+      <p:grpSp>
+        <p:nvGrpSpPr>
+          <p:cNvPr id="13" name="Group 12"/>
+          <p:cNvGrpSpPr/>
+          <p:nvPr/>
+        </p:nvGrpSpPr>
+        <p:grpSpPr>
+          <a:xfrm>
+            <a:off x="4996501" y="482171"/>
+            <a:ext cx="3511387" cy="5149101"/>
+            <a:chOff x="6852919" y="583365"/>
+            <a:chExt cx="4681849" cy="5181928"/>
+          </a:xfrm>
+        </p:grpSpPr>
+        <p:sp>
+          <p:nvSpPr>
+            <p:cNvPr id="14" name="Rectangle 13"/>
+            <p:cNvSpPr/>
+            <p:nvPr/>
+          </p:nvSpPr>
+          <p:spPr>
+            <a:xfrm>
+              <a:off x="6852919" y="583365"/>
+              <a:ext cx="4681849" cy="5181928"/>
+            </a:xfrm>
+            <a:prstGeom prst="rect">
+              <a:avLst/>
+            </a:prstGeom>
+            <a:gradFill>
+              <a:gsLst>
+                <a:gs pos="0">
+                  <a:srgbClr val="000001"/>
+                </a:gs>
+                <a:gs pos="100000">
+                  <a:srgbClr val="191919"/>
+                </a:gs>
+              </a:gsLst>
+            </a:gradFill>
+            <a:ln w="76200" cmpd="sng">
+              <a:noFill/>
+              <a:miter lim="800000"/>
+            </a:ln>
+            <a:effectLst>
+              <a:outerShdw blurRad="127000" dist="228600" dir="4740000" sx="98000" sy="98000" algn="tl" rotWithShape="0">
+                <a:srgbClr val="000000">
+                  <a:alpha val="34000"/>
+                </a:srgbClr>
+              </a:outerShdw>
+            </a:effectLst>
+            <a:scene3d>
+              <a:camera prst="orthographicFront"/>
+              <a:lightRig rig="threePt" dir="t"/>
+            </a:scene3d>
+            <a:sp3d>
+              <a:bevelT w="152400" h="50800" prst="softRound"/>
+            </a:sp3d>
+          </p:spPr>
+          <p:style>
+            <a:lnRef idx="1">
+              <a:schemeClr val="accent1"/>
+            </a:lnRef>
+            <a:fillRef idx="3">
+              <a:schemeClr val="accent1"/>
+            </a:fillRef>
+            <a:effectRef idx="2">
+              <a:schemeClr val="accent1"/>
+            </a:effectRef>
+            <a:fontRef idx="minor">
+              <a:schemeClr val="lt1"/>
+            </a:fontRef>
+          </p:style>
+        </p:sp>
+        <p:sp>
+          <p:nvSpPr>
+            <p:cNvPr id="15" name="Rectangle 14"/>
+            <p:cNvSpPr/>
+            <p:nvPr/>
+          </p:nvSpPr>
+          <p:spPr>
+            <a:xfrm>
+              <a:off x="7273787" y="915806"/>
+              <a:ext cx="3844017" cy="4507918"/>
+            </a:xfrm>
+            <a:prstGeom prst="rect">
+              <a:avLst/>
+            </a:prstGeom>
+            <a:gradFill>
+              <a:gsLst>
+                <a:gs pos="0">
+                  <a:srgbClr val="DADADA"/>
+                </a:gs>
+                <a:gs pos="100000">
+                  <a:srgbClr val="FFFFFE"/>
+                </a:gs>
+              </a:gsLst>
+              <a:lin ang="16200000" scaled="0"/>
+            </a:gradFill>
+            <a:ln w="50800" cmpd="sng">
+              <a:solidFill>
+                <a:srgbClr val="191919"/>
+              </a:solidFill>
+              <a:miter lim="800000"/>
+            </a:ln>
+            <a:effectLst>
+              <a:innerShdw blurRad="63500" dist="88900" dir="14100000">
+                <a:srgbClr val="000000">
+                  <a:alpha val="30000"/>
+                </a:srgbClr>
+              </a:innerShdw>
+            </a:effectLst>
+            <a:scene3d>
+              <a:camera prst="orthographicFront"/>
+              <a:lightRig rig="threePt" dir="t"/>
+            </a:scene3d>
+            <a:sp3d>
+              <a:bevelT prst="relaxedInset"/>
+            </a:sp3d>
+          </p:spPr>
+          <p:style>
+            <a:lnRef idx="1">
+              <a:schemeClr val="accent1"/>
+            </a:lnRef>
+            <a:fillRef idx="3">
+              <a:schemeClr val="accent1"/>
+            </a:fillRef>
+            <a:effectRef idx="2">
+              <a:schemeClr val="accent1"/>
+            </a:effectRef>
+            <a:fontRef idx="minor">
+              <a:schemeClr val="lt1"/>
+            </a:fontRef>
+          </p:style>
+        </p:sp>
+      </p:grpSp>
       <p:sp>
         <p:nvSpPr>
           <p:cNvPr id="2" name="Title 1"/>
@@ -2355,15 +2646,17 @@
         </p:nvSpPr>
         <p:spPr>
           <a:xfrm>
-            <a:off x="1792288" y="4800600"/>
-            <a:ext cx="5486400" cy="566738"/>
-          </a:xfrm>
-        </p:spPr>
-        <p:txBody>
-          <a:bodyPr anchor="b"/>
+            <a:off x="1444148" y="1129513"/>
+            <a:ext cx="3244935" cy="1830584"/>
+          </a:xfrm>
+        </p:spPr>
+        <p:txBody>
+          <a:bodyPr anchor="b">
+            <a:normAutofit/>
+          </a:bodyPr>
           <a:lstStyle>
-            <a:lvl1pPr algn="l">
-              <a:defRPr sz="2000" b="1"/>
+            <a:lvl1pPr>
+              <a:defRPr sz="3200"/>
             </a:lvl1pPr>
           </a:lstStyle>
           <a:p>
@@ -2371,6 +2664,7 @@
               <a:rPr lang="en-US"/>
               <a:t>Click to edit Master title style</a:t>
             </a:r>
+            <a:endParaRPr lang="en-US" dirty="0"/>
           </a:p>
         </p:txBody>
       </p:sp>
@@ -2378,7 +2672,7 @@
         <p:nvSpPr>
           <p:cNvPr id="3" name="Picture Placeholder 2"/>
           <p:cNvSpPr>
-            <a:spLocks noGrp="1"/>
+            <a:spLocks noGrp="1" noChangeAspect="1"/>
           </p:cNvSpPr>
           <p:nvPr>
             <p:ph type="pic" idx="1"/>
@@ -2386,52 +2680,66 @@
         </p:nvSpPr>
         <p:spPr>
           <a:xfrm>
-            <a:off x="1792288" y="612775"/>
-            <a:ext cx="5486400" cy="4114800"/>
-          </a:xfrm>
-        </p:spPr>
-        <p:txBody>
-          <a:bodyPr/>
+            <a:off x="5640128" y="1122543"/>
+            <a:ext cx="2234998" cy="3866327"/>
+          </a:xfrm>
+          <a:solidFill>
+            <a:schemeClr val="bg1">
+              <a:lumMod val="85000"/>
+            </a:schemeClr>
+          </a:solidFill>
+          <a:ln w="9525" cap="sq">
+            <a:noFill/>
+            <a:miter lim="800000"/>
+          </a:ln>
+          <a:effectLst/>
+        </p:spPr>
+        <p:txBody>
+          <a:bodyPr anchor="t"/>
           <a:lstStyle>
-            <a:lvl1pPr marL="0" indent="0">
-              <a:buNone/>
-              <a:defRPr sz="3200"/>
-            </a:lvl1pPr>
-            <a:lvl2pPr marL="457200" indent="0">
-              <a:buNone/>
-              <a:defRPr sz="2800"/>
-            </a:lvl2pPr>
-            <a:lvl3pPr marL="914400" indent="0">
+            <a:lvl1pPr marL="0" indent="0" algn="ctr">
               <a:buNone/>
               <a:defRPr sz="2400"/>
+            </a:lvl1pPr>
+            <a:lvl2pPr marL="342900" indent="0">
+              <a:buNone/>
+              <a:defRPr sz="2100"/>
+            </a:lvl2pPr>
+            <a:lvl3pPr marL="685800" indent="0">
+              <a:buNone/>
+              <a:defRPr sz="1800"/>
             </a:lvl3pPr>
-            <a:lvl4pPr marL="1371600" indent="0">
+            <a:lvl4pPr marL="1028700" indent="0">
               <a:buNone/>
-              <a:defRPr sz="2000"/>
+              <a:defRPr sz="1500"/>
             </a:lvl4pPr>
-            <a:lvl5pPr marL="1828800" indent="0">
+            <a:lvl5pPr marL="1371600" indent="0">
               <a:buNone/>
-              <a:defRPr sz="2000"/>
+              <a:defRPr sz="1500"/>
             </a:lvl5pPr>
-            <a:lvl6pPr marL="2286000" indent="0">
+            <a:lvl6pPr marL="1714500" indent="0">
               <a:buNone/>
-              <a:defRPr sz="2000"/>
+              <a:defRPr sz="1500"/>
             </a:lvl6pPr>
-            <a:lvl7pPr marL="2743200" indent="0">
+            <a:lvl7pPr marL="2057400" indent="0">
               <a:buNone/>
-              <a:defRPr sz="2000"/>
+              <a:defRPr sz="1500"/>
             </a:lvl7pPr>
-            <a:lvl8pPr marL="3200400" indent="0">
+            <a:lvl8pPr marL="2400300" indent="0">
               <a:buNone/>
-              <a:defRPr sz="2000"/>
+              <a:defRPr sz="1500"/>
             </a:lvl8pPr>
-            <a:lvl9pPr marL="3657600" indent="0">
+            <a:lvl9pPr marL="2743200" indent="0">
               <a:buNone/>
-              <a:defRPr sz="2000"/>
+              <a:defRPr sz="1500"/>
             </a:lvl9pPr>
           </a:lstStyle>
           <a:p>
-            <a:endParaRPr lang="en-US"/>
+            <a:r>
+              <a:rPr lang="en-US"/>
+              <a:t>Click icon to add picture</a:t>
+            </a:r>
+            <a:endParaRPr lang="en-US" dirty="0"/>
           </a:p>
         </p:txBody>
       </p:sp>
@@ -2447,55 +2755,57 @@
         </p:nvSpPr>
         <p:spPr>
           <a:xfrm>
-            <a:off x="1792288" y="5367338"/>
-            <a:ext cx="5486400" cy="804862"/>
-          </a:xfrm>
-        </p:spPr>
-        <p:txBody>
-          <a:bodyPr/>
+            <a:off x="1443492" y="3145992"/>
+            <a:ext cx="3240286" cy="2003742"/>
+          </a:xfrm>
+        </p:spPr>
+        <p:txBody>
+          <a:bodyPr>
+            <a:normAutofit/>
+          </a:bodyPr>
           <a:lstStyle>
-            <a:lvl1pPr marL="0" indent="0">
+            <a:lvl1pPr marL="0" indent="0" algn="l">
               <a:buNone/>
-              <a:defRPr sz="1400"/>
+              <a:defRPr sz="1800"/>
             </a:lvl1pPr>
-            <a:lvl2pPr marL="457200" indent="0">
+            <a:lvl2pPr marL="342900" indent="0">
               <a:buNone/>
-              <a:defRPr sz="1200"/>
+              <a:defRPr sz="1050"/>
             </a:lvl2pPr>
-            <a:lvl3pPr marL="914400" indent="0">
-              <a:buNone/>
-              <a:defRPr sz="1000"/>
-            </a:lvl3pPr>
-            <a:lvl4pPr marL="1371600" indent="0">
+            <a:lvl3pPr marL="685800" indent="0">
               <a:buNone/>
               <a:defRPr sz="900"/>
+            </a:lvl3pPr>
+            <a:lvl4pPr marL="1028700" indent="0">
+              <a:buNone/>
+              <a:defRPr sz="750"/>
             </a:lvl4pPr>
-            <a:lvl5pPr marL="1828800" indent="0">
+            <a:lvl5pPr marL="1371600" indent="0">
               <a:buNone/>
-              <a:defRPr sz="900"/>
+              <a:defRPr sz="750"/>
             </a:lvl5pPr>
-            <a:lvl6pPr marL="2286000" indent="0">
+            <a:lvl6pPr marL="1714500" indent="0">
               <a:buNone/>
-              <a:defRPr sz="900"/>
+              <a:defRPr sz="750"/>
             </a:lvl6pPr>
-            <a:lvl7pPr marL="2743200" indent="0">
+            <a:lvl7pPr marL="2057400" indent="0">
               <a:buNone/>
-              <a:defRPr sz="900"/>
+              <a:defRPr sz="750"/>
             </a:lvl7pPr>
-            <a:lvl8pPr marL="3200400" indent="0">
+            <a:lvl8pPr marL="2400300" indent="0">
               <a:buNone/>
-              <a:defRPr sz="900"/>
+              <a:defRPr sz="750"/>
             </a:lvl8pPr>
-            <a:lvl9pPr marL="3657600" indent="0">
+            <a:lvl9pPr marL="2743200" indent="0">
               <a:buNone/>
-              <a:defRPr sz="900"/>
+              <a:defRPr sz="750"/>
             </a:lvl9pPr>
           </a:lstStyle>
           <a:p>
             <a:pPr lvl="0"/>
             <a:r>
               <a:rPr lang="en-US"/>
-              <a:t>Click to edit Master text styles</a:t>
+              <a:t>Edit Master text styles</a:t>
             </a:r>
           </a:p>
         </p:txBody>
@@ -2510,14 +2820,23 @@
             <p:ph type="dt" sz="half" idx="10"/>
           </p:nvPr>
         </p:nvSpPr>
-        <p:spPr/>
+        <p:spPr>
+          <a:xfrm>
+            <a:off x="1436664" y="5469857"/>
+            <a:ext cx="3252420" cy="320123"/>
+          </a:xfrm>
+        </p:spPr>
         <p:txBody>
           <a:bodyPr/>
-          <a:lstStyle/>
+          <a:lstStyle>
+            <a:lvl1pPr algn="l">
+              <a:defRPr/>
+            </a:lvl1pPr>
+          </a:lstStyle>
           <a:p>
             <a:fld id="{5BCAD085-E8A6-8845-BD4E-CB4CCA059FC4}" type="datetimeFigureOut">
               <a:rPr lang="en-US" smtClean="0"/>
-              <a:t>12/31/2025</a:t>
+              <a:t>1/5/2026</a:t>
             </a:fld>
             <a:endParaRPr lang="en-US"/>
           </a:p>
@@ -2533,7 +2852,12 @@
             <p:ph type="ftr" sz="quarter" idx="11"/>
           </p:nvPr>
         </p:nvSpPr>
-        <p:spPr/>
+        <p:spPr>
+          <a:xfrm>
+            <a:off x="1437530" y="318641"/>
+            <a:ext cx="3251553" cy="320931"/>
+          </a:xfrm>
+        </p:spPr>
         <p:txBody>
           <a:bodyPr/>
           <a:lstStyle/>
@@ -2565,10 +2889,41 @@
           </a:p>
         </p:txBody>
       </p:sp>
+      <p:cxnSp>
+        <p:nvCxnSpPr>
+          <p:cNvPr id="31" name="Straight Connector 30"/>
+          <p:cNvCxnSpPr/>
+          <p:nvPr/>
+        </p:nvCxnSpPr>
+        <p:spPr>
+          <a:xfrm>
+            <a:off x="1441281" y="3143605"/>
+            <a:ext cx="3242014" cy="0"/>
+          </a:xfrm>
+          <a:prstGeom prst="line">
+            <a:avLst/>
+          </a:prstGeom>
+          <a:ln w="31750"/>
+        </p:spPr>
+        <p:style>
+          <a:lnRef idx="3">
+            <a:schemeClr val="accent1"/>
+          </a:lnRef>
+          <a:fillRef idx="0">
+            <a:schemeClr val="accent1"/>
+          </a:fillRef>
+          <a:effectRef idx="2">
+            <a:schemeClr val="accent1"/>
+          </a:effectRef>
+          <a:fontRef idx="minor">
+            <a:schemeClr val="tx1"/>
+          </a:fontRef>
+        </p:style>
+      </p:cxnSp>
     </p:spTree>
     <p:extLst>
       <p:ext uri="{BB962C8B-B14F-4D97-AF65-F5344CB8AC3E}">
-        <p14:creationId xmlns:p14="http://schemas.microsoft.com/office/powerpoint/2010/main" val="3889236939"/>
+        <p14:creationId xmlns:p14="http://schemas.microsoft.com/office/powerpoint/2010/main" val="984752139"/>
       </p:ext>
     </p:extLst>
   </p:cSld>
@@ -2582,8 +2937,8 @@
 <p:sldMaster xmlns:a="http://schemas.openxmlformats.org/drawingml/2006/main" xmlns:r="http://schemas.openxmlformats.org/officeDocument/2006/relationships" xmlns:p="http://schemas.openxmlformats.org/presentationml/2006/main">
   <p:cSld>
     <p:bg>
-      <p:bgRef idx="1001">
-        <a:schemeClr val="bg1"/>
+      <p:bgRef idx="1003">
+        <a:schemeClr val="bg2"/>
       </p:bgRef>
     </p:bg>
     <p:spTree>
@@ -2602,6 +2957,121 @@
       </p:grpSpPr>
       <p:sp>
         <p:nvSpPr>
+          <p:cNvPr id="10" name="Rectangle 9"/>
+          <p:cNvSpPr/>
+          <p:nvPr/>
+        </p:nvSpPr>
+        <p:spPr>
+          <a:xfrm>
+            <a:off x="0" y="2015734"/>
+            <a:ext cx="9144000" cy="4079520"/>
+          </a:xfrm>
+          <a:prstGeom prst="rect">
+            <a:avLst/>
+          </a:prstGeom>
+          <a:gradFill flip="none" rotWithShape="1">
+            <a:gsLst>
+              <a:gs pos="0">
+                <a:schemeClr val="bg2">
+                  <a:alpha val="0"/>
+                </a:schemeClr>
+              </a:gs>
+              <a:gs pos="100000">
+                <a:schemeClr val="bg2"/>
+              </a:gs>
+            </a:gsLst>
+            <a:lin ang="5400000" scaled="0"/>
+            <a:tileRect/>
+          </a:gradFill>
+          <a:ln>
+            <a:noFill/>
+          </a:ln>
+        </p:spPr>
+        <p:style>
+          <a:lnRef idx="2">
+            <a:schemeClr val="accent1">
+              <a:shade val="50000"/>
+            </a:schemeClr>
+          </a:lnRef>
+          <a:fillRef idx="1">
+            <a:schemeClr val="accent1"/>
+          </a:fillRef>
+          <a:effectRef idx="0">
+            <a:schemeClr val="accent1"/>
+          </a:effectRef>
+          <a:fontRef idx="minor">
+            <a:schemeClr val="lt1"/>
+          </a:fontRef>
+        </p:style>
+      </p:sp>
+      <p:pic>
+        <p:nvPicPr>
+          <p:cNvPr id="12" name="Picture 11"/>
+          <p:cNvPicPr>
+            <a:picLocks noChangeAspect="1"/>
+          </p:cNvPicPr>
+          <p:nvPr/>
+        </p:nvPicPr>
+        <p:blipFill rotWithShape="1">
+          <a:blip r:embed="rId13">
+            <a:extLst>
+              <a:ext uri="{28A0092B-C50C-407E-A947-70E740481C1C}">
+                <a14:useLocalDpi xmlns:a14="http://schemas.microsoft.com/office/drawing/2010/main" val="0"/>
+              </a:ext>
+            </a:extLst>
+          </a:blip>
+          <a:srcRect l="12500" t="1538" r="12500" b="-1538"/>
+          <a:stretch/>
+        </p:blipFill>
+        <p:spPr>
+          <a:xfrm>
+            <a:off x="-1" y="6095253"/>
+            <a:ext cx="9144001" cy="774727"/>
+          </a:xfrm>
+          <a:prstGeom prst="rect">
+            <a:avLst/>
+          </a:prstGeom>
+        </p:spPr>
+      </p:pic>
+      <p:cxnSp>
+        <p:nvCxnSpPr>
+          <p:cNvPr id="13" name="Straight Connector 12"/>
+          <p:cNvCxnSpPr/>
+          <p:nvPr/>
+        </p:nvCxnSpPr>
+        <p:spPr>
+          <a:xfrm>
+            <a:off x="0" y="6101127"/>
+            <a:ext cx="9144000" cy="0"/>
+          </a:xfrm>
+          <a:prstGeom prst="line">
+            <a:avLst/>
+          </a:prstGeom>
+          <a:ln w="12700">
+            <a:solidFill>
+              <a:srgbClr val="000001">
+                <a:alpha val="20000"/>
+              </a:srgbClr>
+            </a:solidFill>
+          </a:ln>
+        </p:spPr>
+        <p:style>
+          <a:lnRef idx="1">
+            <a:schemeClr val="accent1"/>
+          </a:lnRef>
+          <a:fillRef idx="0">
+            <a:schemeClr val="accent1"/>
+          </a:fillRef>
+          <a:effectRef idx="0">
+            <a:schemeClr val="accent1"/>
+          </a:effectRef>
+          <a:fontRef idx="minor">
+            <a:schemeClr val="tx1"/>
+          </a:fontRef>
+        </p:style>
+      </p:cxnSp>
+      <p:sp>
+        <p:nvSpPr>
           <p:cNvPr id="2" name="Title Placeholder 1"/>
           <p:cNvSpPr>
             <a:spLocks noGrp="1"/>
@@ -2612,15 +3082,15 @@
         </p:nvSpPr>
         <p:spPr>
           <a:xfrm>
-            <a:off x="457200" y="274638"/>
-            <a:ext cx="8229600" cy="1143000"/>
+            <a:off x="1443491" y="804520"/>
+            <a:ext cx="6571343" cy="1049235"/>
           </a:xfrm>
           <a:prstGeom prst="rect">
             <a:avLst/>
           </a:prstGeom>
         </p:spPr>
         <p:txBody>
-          <a:bodyPr vert="horz" lIns="91440" tIns="45720" rIns="91440" bIns="45720" rtlCol="0" anchor="ctr">
+          <a:bodyPr vert="horz" lIns="91440" tIns="45720" rIns="91440" bIns="45720" rtlCol="0" anchor="t">
             <a:normAutofit/>
           </a:bodyPr>
           <a:lstStyle/>
@@ -2629,6 +3099,7 @@
               <a:rPr lang="en-US"/>
               <a:t>Click to edit Master title style</a:t>
             </a:r>
+            <a:endParaRPr lang="en-US" dirty="0"/>
           </a:p>
         </p:txBody>
       </p:sp>
@@ -2644,8 +3115,8 @@
         </p:nvSpPr>
         <p:spPr>
           <a:xfrm>
-            <a:off x="457200" y="1600200"/>
-            <a:ext cx="8229600" cy="4525963"/>
+            <a:off x="1443491" y="2015733"/>
+            <a:ext cx="6571343" cy="3450613"/>
           </a:xfrm>
           <a:prstGeom prst="rect">
             <a:avLst/>
@@ -2659,35 +3130,35 @@
           <a:p>
             <a:pPr lvl="0"/>
             <a:r>
-              <a:rPr lang="en-US"/>
-              <a:t>Click to edit Master text styles</a:t>
+              <a:rPr lang="en-US" dirty="0"/>
+              <a:t>Edit Master text styles</a:t>
             </a:r>
           </a:p>
           <a:p>
             <a:pPr lvl="1"/>
             <a:r>
-              <a:rPr lang="en-US"/>
+              <a:rPr lang="en-US" dirty="0"/>
               <a:t>Second level</a:t>
             </a:r>
           </a:p>
           <a:p>
             <a:pPr lvl="2"/>
             <a:r>
-              <a:rPr lang="en-US"/>
+              <a:rPr lang="en-US" dirty="0"/>
               <a:t>Third level</a:t>
             </a:r>
           </a:p>
           <a:p>
             <a:pPr lvl="3"/>
             <a:r>
-              <a:rPr lang="en-US"/>
+              <a:rPr lang="en-US" dirty="0"/>
               <a:t>Fourth level</a:t>
             </a:r>
           </a:p>
           <a:p>
             <a:pPr lvl="4"/>
             <a:r>
-              <a:rPr lang="en-US"/>
+              <a:rPr lang="en-US" dirty="0"/>
               <a:t>Fifth level</a:t>
             </a:r>
           </a:p>
@@ -2705,8 +3176,8 @@
         </p:nvSpPr>
         <p:spPr>
           <a:xfrm>
-            <a:off x="457200" y="6356350"/>
-            <a:ext cx="2133600" cy="365125"/>
+            <a:off x="5646542" y="330370"/>
+            <a:ext cx="2368292" cy="309201"/>
           </a:xfrm>
           <a:prstGeom prst="rect">
             <a:avLst/>
@@ -2715,8 +3186,8 @@
         <p:txBody>
           <a:bodyPr vert="horz" lIns="91440" tIns="45720" rIns="91440" bIns="45720" rtlCol="0" anchor="ctr"/>
           <a:lstStyle>
-            <a:lvl1pPr algn="l">
-              <a:defRPr sz="1200">
+            <a:lvl1pPr algn="r">
+              <a:defRPr sz="1000">
                 <a:solidFill>
                   <a:schemeClr val="tx1">
                     <a:tint val="75000"/>
@@ -2728,7 +3199,7 @@
           <a:p>
             <a:fld id="{5BCAD085-E8A6-8845-BD4E-CB4CCA059FC4}" type="datetimeFigureOut">
               <a:rPr lang="en-US" smtClean="0"/>
-              <a:t>12/31/2025</a:t>
+              <a:t>1/5/2026</a:t>
             </a:fld>
             <a:endParaRPr lang="en-US"/>
           </a:p>
@@ -2746,8 +3217,8 @@
         </p:nvSpPr>
         <p:spPr>
           <a:xfrm>
-            <a:off x="3124200" y="6356350"/>
-            <a:ext cx="2895600" cy="365125"/>
+            <a:off x="1443491" y="329308"/>
+            <a:ext cx="4034004" cy="309201"/>
           </a:xfrm>
           <a:prstGeom prst="rect">
             <a:avLst/>
@@ -2756,8 +3227,8 @@
         <p:txBody>
           <a:bodyPr vert="horz" lIns="91440" tIns="45720" rIns="91440" bIns="45720" rtlCol="0" anchor="ctr"/>
           <a:lstStyle>
-            <a:lvl1pPr algn="ctr">
-              <a:defRPr sz="1200">
+            <a:lvl1pPr algn="l">
+              <a:defRPr sz="1000">
                 <a:solidFill>
                   <a:schemeClr val="tx1">
                     <a:tint val="75000"/>
@@ -2783,22 +3254,20 @@
         </p:nvSpPr>
         <p:spPr>
           <a:xfrm>
-            <a:off x="6553200" y="6356350"/>
-            <a:ext cx="2133600" cy="365125"/>
+            <a:off x="487725" y="798973"/>
+            <a:ext cx="795746" cy="503578"/>
           </a:xfrm>
           <a:prstGeom prst="rect">
             <a:avLst/>
           </a:prstGeom>
         </p:spPr>
         <p:txBody>
-          <a:bodyPr vert="horz" lIns="91440" tIns="45720" rIns="91440" bIns="45720" rtlCol="0" anchor="ctr"/>
+          <a:bodyPr vert="horz" lIns="91440" tIns="45720" rIns="91440" bIns="45720" rtlCol="0" anchor="t"/>
           <a:lstStyle>
             <a:lvl1pPr algn="r">
-              <a:defRPr sz="1200">
-                <a:solidFill>
-                  <a:schemeClr val="tx1">
-                    <a:tint val="75000"/>
-                  </a:schemeClr>
+              <a:defRPr sz="2800">
+                <a:solidFill>
+                  <a:schemeClr val="accent1"/>
                 </a:solidFill>
               </a:defRPr>
             </a:lvl1pPr>
@@ -2815,35 +3284,39 @@
     </p:spTree>
     <p:extLst>
       <p:ext uri="{BB962C8B-B14F-4D97-AF65-F5344CB8AC3E}">
-        <p14:creationId xmlns:p14="http://schemas.microsoft.com/office/powerpoint/2010/main" val="2209977519"/>
+        <p14:creationId xmlns:p14="http://schemas.microsoft.com/office/powerpoint/2010/main" val="500945206"/>
       </p:ext>
     </p:extLst>
   </p:cSld>
   <p:clrMap bg1="lt1" tx1="dk1" bg2="lt2" tx2="dk2" accent1="accent1" accent2="accent2" accent3="accent3" accent4="accent4" accent5="accent5" accent6="accent6" hlink="hlink" folHlink="folHlink"/>
   <p:sldLayoutIdLst>
-    <p:sldLayoutId id="2147483649" r:id="rId1"/>
-    <p:sldLayoutId id="2147483650" r:id="rId2"/>
-    <p:sldLayoutId id="2147483651" r:id="rId3"/>
-    <p:sldLayoutId id="2147483652" r:id="rId4"/>
-    <p:sldLayoutId id="2147483653" r:id="rId5"/>
-    <p:sldLayoutId id="2147483654" r:id="rId6"/>
-    <p:sldLayoutId id="2147483655" r:id="rId7"/>
-    <p:sldLayoutId id="2147483656" r:id="rId8"/>
-    <p:sldLayoutId id="2147483657" r:id="rId9"/>
-    <p:sldLayoutId id="2147483658" r:id="rId10"/>
-    <p:sldLayoutId id="2147483659" r:id="rId11"/>
+    <p:sldLayoutId id="2147483661" r:id="rId1"/>
+    <p:sldLayoutId id="2147483662" r:id="rId2"/>
+    <p:sldLayoutId id="2147483663" r:id="rId3"/>
+    <p:sldLayoutId id="2147483664" r:id="rId4"/>
+    <p:sldLayoutId id="2147483665" r:id="rId5"/>
+    <p:sldLayoutId id="2147483666" r:id="rId6"/>
+    <p:sldLayoutId id="2147483667" r:id="rId7"/>
+    <p:sldLayoutId id="2147483668" r:id="rId8"/>
+    <p:sldLayoutId id="2147483669" r:id="rId9"/>
+    <p:sldLayoutId id="2147483670" r:id="rId10"/>
+    <p:sldLayoutId id="2147483671" r:id="rId11"/>
   </p:sldLayoutIdLst>
   <p:txStyles>
     <p:titleStyle>
-      <a:lvl1pPr algn="ctr" defTabSz="457200" rtl="0" eaLnBrk="1" latinLnBrk="0" hangingPunct="1">
+      <a:lvl1pPr algn="l" defTabSz="685800" rtl="0" eaLnBrk="1" latinLnBrk="0" hangingPunct="1">
+        <a:lnSpc>
+          <a:spcPct val="90000"/>
+        </a:lnSpc>
         <a:spcBef>
           <a:spcPct val="0"/>
         </a:spcBef>
         <a:buNone/>
-        <a:defRPr sz="4400" kern="1200">
+        <a:defRPr sz="3200" b="0" i="0" kern="1200" cap="all">
           <a:solidFill>
             <a:schemeClr val="tx1"/>
           </a:solidFill>
+          <a:effectLst/>
           <a:latin typeface="+mj-lt"/>
           <a:ea typeface="+mj-ea"/>
           <a:cs typeface="+mj-cs"/>
@@ -2851,136 +3324,208 @@
       </a:lvl1pPr>
     </p:titleStyle>
     <p:bodyStyle>
-      <a:lvl1pPr marL="342900" indent="-342900" algn="l" defTabSz="457200" rtl="0" eaLnBrk="1" latinLnBrk="0" hangingPunct="1">
+      <a:lvl1pPr marL="228600" indent="-228600" algn="l" defTabSz="685800" rtl="0" eaLnBrk="1" latinLnBrk="0" hangingPunct="1">
+        <a:lnSpc>
+          <a:spcPct val="120000"/>
+        </a:lnSpc>
         <a:spcBef>
-          <a:spcPct val="20000"/>
+          <a:spcPts val="1000"/>
         </a:spcBef>
-        <a:buFont typeface="Arial"/>
+        <a:buClr>
+          <a:schemeClr val="accent1"/>
+        </a:buClr>
+        <a:buSzPct val="100000"/>
+        <a:buFont typeface="Arial" panose="020B0604020202020204" pitchFamily="34" charset="0"/>
         <a:buChar char="•"/>
-        <a:defRPr sz="3200" kern="1200">
+        <a:defRPr sz="2000" kern="1200" cap="none">
           <a:solidFill>
             <a:schemeClr val="tx1"/>
           </a:solidFill>
+          <a:effectLst/>
           <a:latin typeface="+mn-lt"/>
           <a:ea typeface="+mn-ea"/>
           <a:cs typeface="+mn-cs"/>
         </a:defRPr>
       </a:lvl1pPr>
-      <a:lvl2pPr marL="742950" indent="-285750" algn="l" defTabSz="457200" rtl="0" eaLnBrk="1" latinLnBrk="0" hangingPunct="1">
+      <a:lvl2pPr marL="685800" indent="-228600" algn="l" defTabSz="685800" rtl="0" eaLnBrk="1" latinLnBrk="0" hangingPunct="1">
+        <a:lnSpc>
+          <a:spcPct val="120000"/>
+        </a:lnSpc>
         <a:spcBef>
-          <a:spcPct val="20000"/>
+          <a:spcPts val="500"/>
         </a:spcBef>
-        <a:buFont typeface="Arial"/>
-        <a:buChar char="–"/>
-        <a:defRPr sz="2800" kern="1200">
+        <a:buClr>
+          <a:schemeClr val="accent1"/>
+        </a:buClr>
+        <a:buSzPct val="100000"/>
+        <a:buFont typeface="Arial" panose="020B0604020202020204" pitchFamily="34" charset="0"/>
+        <a:buChar char="•"/>
+        <a:defRPr sz="1600" kern="1200" cap="none" baseline="0">
           <a:solidFill>
             <a:schemeClr val="tx1"/>
           </a:solidFill>
+          <a:effectLst/>
           <a:latin typeface="+mn-lt"/>
           <a:ea typeface="+mn-ea"/>
           <a:cs typeface="+mn-cs"/>
         </a:defRPr>
       </a:lvl2pPr>
-      <a:lvl3pPr marL="1143000" indent="-228600" algn="l" defTabSz="457200" rtl="0" eaLnBrk="1" latinLnBrk="0" hangingPunct="1">
+      <a:lvl3pPr marL="1143000" indent="-228600" algn="l" defTabSz="685800" rtl="0" eaLnBrk="1" latinLnBrk="0" hangingPunct="1">
+        <a:lnSpc>
+          <a:spcPct val="120000"/>
+        </a:lnSpc>
         <a:spcBef>
-          <a:spcPct val="20000"/>
+          <a:spcPts val="500"/>
         </a:spcBef>
-        <a:buFont typeface="Arial"/>
+        <a:buClr>
+          <a:schemeClr val="accent1"/>
+        </a:buClr>
+        <a:buSzPct val="100000"/>
+        <a:buFont typeface="Arial" panose="020B0604020202020204" pitchFamily="34" charset="0"/>
         <a:buChar char="•"/>
-        <a:defRPr sz="2400" kern="1200">
+        <a:defRPr sz="1600" kern="1200" cap="none">
           <a:solidFill>
             <a:schemeClr val="tx1"/>
           </a:solidFill>
+          <a:effectLst/>
           <a:latin typeface="+mn-lt"/>
           <a:ea typeface="+mn-ea"/>
           <a:cs typeface="+mn-cs"/>
         </a:defRPr>
       </a:lvl3pPr>
-      <a:lvl4pPr marL="1600200" indent="-228600" algn="l" defTabSz="457200" rtl="0" eaLnBrk="1" latinLnBrk="0" hangingPunct="1">
+      <a:lvl4pPr marL="1600200" indent="-228600" algn="l" defTabSz="685800" rtl="0" eaLnBrk="1" latinLnBrk="0" hangingPunct="1">
+        <a:lnSpc>
+          <a:spcPct val="120000"/>
+        </a:lnSpc>
         <a:spcBef>
-          <a:spcPct val="20000"/>
+          <a:spcPts val="500"/>
         </a:spcBef>
-        <a:buFont typeface="Arial"/>
-        <a:buChar char="–"/>
-        <a:defRPr sz="2000" kern="1200">
+        <a:buClr>
+          <a:schemeClr val="accent1"/>
+        </a:buClr>
+        <a:buSzPct val="100000"/>
+        <a:buFont typeface="Arial" panose="020B0604020202020204" pitchFamily="34" charset="0"/>
+        <a:buChar char="•"/>
+        <a:defRPr sz="1400" kern="1200" cap="none" baseline="0">
           <a:solidFill>
             <a:schemeClr val="tx1"/>
           </a:solidFill>
+          <a:effectLst/>
           <a:latin typeface="+mn-lt"/>
           <a:ea typeface="+mn-ea"/>
           <a:cs typeface="+mn-cs"/>
         </a:defRPr>
       </a:lvl4pPr>
-      <a:lvl5pPr marL="2057400" indent="-228600" algn="l" defTabSz="457200" rtl="0" eaLnBrk="1" latinLnBrk="0" hangingPunct="1">
+      <a:lvl5pPr marL="2057400" indent="-228600" algn="l" defTabSz="685800" rtl="0" eaLnBrk="1" latinLnBrk="0" hangingPunct="1">
+        <a:lnSpc>
+          <a:spcPct val="120000"/>
+        </a:lnSpc>
         <a:spcBef>
-          <a:spcPct val="20000"/>
+          <a:spcPts val="500"/>
         </a:spcBef>
-        <a:buFont typeface="Arial"/>
-        <a:buChar char="»"/>
-        <a:defRPr sz="2000" kern="1200">
+        <a:buClr>
+          <a:schemeClr val="accent1"/>
+        </a:buClr>
+        <a:buSzPct val="100000"/>
+        <a:buFont typeface="Arial" panose="020B0604020202020204" pitchFamily="34" charset="0"/>
+        <a:buChar char="•"/>
+        <a:defRPr sz="1200" kern="1200" cap="none">
           <a:solidFill>
             <a:schemeClr val="tx1"/>
           </a:solidFill>
+          <a:effectLst/>
           <a:latin typeface="+mn-lt"/>
           <a:ea typeface="+mn-ea"/>
           <a:cs typeface="+mn-cs"/>
         </a:defRPr>
       </a:lvl5pPr>
-      <a:lvl6pPr marL="2514600" indent="-228600" algn="l" defTabSz="457200" rtl="0" eaLnBrk="1" latinLnBrk="0" hangingPunct="1">
+      <a:lvl6pPr marL="2514600" indent="-228600" algn="l" defTabSz="914400" rtl="0" eaLnBrk="1" latinLnBrk="0" hangingPunct="1">
+        <a:lnSpc>
+          <a:spcPct val="120000"/>
+        </a:lnSpc>
         <a:spcBef>
-          <a:spcPct val="20000"/>
+          <a:spcPts val="500"/>
         </a:spcBef>
-        <a:buFont typeface="Arial"/>
+        <a:buClr>
+          <a:schemeClr val="accent1"/>
+        </a:buClr>
+        <a:buSzPct val="100000"/>
+        <a:buFont typeface="Arial" panose="020B0604020202020204" pitchFamily="34" charset="0"/>
         <a:buChar char="•"/>
-        <a:defRPr sz="2000" kern="1200">
+        <a:defRPr sz="1200" kern="1200">
           <a:solidFill>
             <a:schemeClr val="tx1"/>
           </a:solidFill>
+          <a:effectLst/>
           <a:latin typeface="+mn-lt"/>
           <a:ea typeface="+mn-ea"/>
           <a:cs typeface="+mn-cs"/>
         </a:defRPr>
       </a:lvl6pPr>
-      <a:lvl7pPr marL="2971800" indent="-228600" algn="l" defTabSz="457200" rtl="0" eaLnBrk="1" latinLnBrk="0" hangingPunct="1">
+      <a:lvl7pPr marL="2971800" indent="-228600" algn="l" defTabSz="914400" rtl="0" eaLnBrk="1" latinLnBrk="0" hangingPunct="1">
+        <a:lnSpc>
+          <a:spcPct val="120000"/>
+        </a:lnSpc>
         <a:spcBef>
-          <a:spcPct val="20000"/>
+          <a:spcPts val="500"/>
         </a:spcBef>
-        <a:buFont typeface="Arial"/>
+        <a:buClr>
+          <a:schemeClr val="accent1"/>
+        </a:buClr>
+        <a:buSzPct val="100000"/>
+        <a:buFont typeface="Arial" panose="020B0604020202020204" pitchFamily="34" charset="0"/>
         <a:buChar char="•"/>
-        <a:defRPr sz="2000" kern="1200">
+        <a:defRPr sz="1200" kern="1200">
           <a:solidFill>
             <a:schemeClr val="tx1"/>
           </a:solidFill>
+          <a:effectLst/>
           <a:latin typeface="+mn-lt"/>
           <a:ea typeface="+mn-ea"/>
           <a:cs typeface="+mn-cs"/>
         </a:defRPr>
       </a:lvl7pPr>
-      <a:lvl8pPr marL="3429000" indent="-228600" algn="l" defTabSz="457200" rtl="0" eaLnBrk="1" latinLnBrk="0" hangingPunct="1">
+      <a:lvl8pPr marL="3429000" indent="-228600" algn="l" defTabSz="914400" rtl="0" eaLnBrk="1" latinLnBrk="0" hangingPunct="1">
+        <a:lnSpc>
+          <a:spcPct val="120000"/>
+        </a:lnSpc>
         <a:spcBef>
-          <a:spcPct val="20000"/>
+          <a:spcPts val="500"/>
         </a:spcBef>
-        <a:buFont typeface="Arial"/>
+        <a:buClr>
+          <a:schemeClr val="accent1"/>
+        </a:buClr>
+        <a:buSzPct val="100000"/>
+        <a:buFont typeface="Arial" panose="020B0604020202020204" pitchFamily="34" charset="0"/>
         <a:buChar char="•"/>
-        <a:defRPr sz="2000" kern="1200">
+        <a:defRPr sz="1200" kern="1200" baseline="0">
           <a:solidFill>
             <a:schemeClr val="tx1"/>
           </a:solidFill>
+          <a:effectLst/>
           <a:latin typeface="+mn-lt"/>
           <a:ea typeface="+mn-ea"/>
           <a:cs typeface="+mn-cs"/>
         </a:defRPr>
       </a:lvl8pPr>
-      <a:lvl9pPr marL="3886200" indent="-228600" algn="l" defTabSz="457200" rtl="0" eaLnBrk="1" latinLnBrk="0" hangingPunct="1">
+      <a:lvl9pPr marL="3886200" indent="-228600" algn="l" defTabSz="914400" rtl="0" eaLnBrk="1" latinLnBrk="0" hangingPunct="1">
+        <a:lnSpc>
+          <a:spcPct val="120000"/>
+        </a:lnSpc>
         <a:spcBef>
-          <a:spcPct val="20000"/>
+          <a:spcPts val="500"/>
         </a:spcBef>
-        <a:buFont typeface="Arial"/>
+        <a:buClr>
+          <a:schemeClr val="accent1"/>
+        </a:buClr>
+        <a:buSzPct val="100000"/>
+        <a:buFont typeface="Arial" panose="020B0604020202020204" pitchFamily="34" charset="0"/>
         <a:buChar char="•"/>
-        <a:defRPr sz="2000" kern="1200">
+        <a:defRPr sz="1200" kern="1200" baseline="0">
           <a:solidFill>
             <a:schemeClr val="tx1"/>
           </a:solidFill>
+          <a:effectLst/>
           <a:latin typeface="+mn-lt"/>
           <a:ea typeface="+mn-ea"/>
           <a:cs typeface="+mn-cs"/>
@@ -2991,8 +3536,8 @@
       <a:defPPr>
         <a:defRPr lang="en-US"/>
       </a:defPPr>
-      <a:lvl1pPr marL="0" algn="l" defTabSz="457200" rtl="0" eaLnBrk="1" latinLnBrk="0" hangingPunct="1">
-        <a:defRPr sz="1800" kern="1200">
+      <a:lvl1pPr marL="0" algn="l" defTabSz="685800" rtl="0" eaLnBrk="1" latinLnBrk="0" hangingPunct="1">
+        <a:defRPr sz="1350" kern="1200">
           <a:solidFill>
             <a:schemeClr val="tx1"/>
           </a:solidFill>
@@ -3001,8 +3546,8 @@
           <a:cs typeface="+mn-cs"/>
         </a:defRPr>
       </a:lvl1pPr>
-      <a:lvl2pPr marL="457200" algn="l" defTabSz="457200" rtl="0" eaLnBrk="1" latinLnBrk="0" hangingPunct="1">
-        <a:defRPr sz="1800" kern="1200">
+      <a:lvl2pPr marL="342900" algn="l" defTabSz="685800" rtl="0" eaLnBrk="1" latinLnBrk="0" hangingPunct="1">
+        <a:defRPr sz="1350" kern="1200">
           <a:solidFill>
             <a:schemeClr val="tx1"/>
           </a:solidFill>
@@ -3011,8 +3556,8 @@
           <a:cs typeface="+mn-cs"/>
         </a:defRPr>
       </a:lvl2pPr>
-      <a:lvl3pPr marL="914400" algn="l" defTabSz="457200" rtl="0" eaLnBrk="1" latinLnBrk="0" hangingPunct="1">
-        <a:defRPr sz="1800" kern="1200">
+      <a:lvl3pPr marL="685800" algn="l" defTabSz="685800" rtl="0" eaLnBrk="1" latinLnBrk="0" hangingPunct="1">
+        <a:defRPr sz="1350" kern="1200">
           <a:solidFill>
             <a:schemeClr val="tx1"/>
           </a:solidFill>
@@ -3021,8 +3566,8 @@
           <a:cs typeface="+mn-cs"/>
         </a:defRPr>
       </a:lvl3pPr>
-      <a:lvl4pPr marL="1371600" algn="l" defTabSz="457200" rtl="0" eaLnBrk="1" latinLnBrk="0" hangingPunct="1">
-        <a:defRPr sz="1800" kern="1200">
+      <a:lvl4pPr marL="1028700" algn="l" defTabSz="685800" rtl="0" eaLnBrk="1" latinLnBrk="0" hangingPunct="1">
+        <a:defRPr sz="1350" kern="1200">
           <a:solidFill>
             <a:schemeClr val="tx1"/>
           </a:solidFill>
@@ -3031,8 +3576,8 @@
           <a:cs typeface="+mn-cs"/>
         </a:defRPr>
       </a:lvl4pPr>
-      <a:lvl5pPr marL="1828800" algn="l" defTabSz="457200" rtl="0" eaLnBrk="1" latinLnBrk="0" hangingPunct="1">
-        <a:defRPr sz="1800" kern="1200">
+      <a:lvl5pPr marL="1371600" algn="l" defTabSz="685800" rtl="0" eaLnBrk="1" latinLnBrk="0" hangingPunct="1">
+        <a:defRPr sz="1350" kern="1200">
           <a:solidFill>
             <a:schemeClr val="tx1"/>
           </a:solidFill>
@@ -3041,8 +3586,8 @@
           <a:cs typeface="+mn-cs"/>
         </a:defRPr>
       </a:lvl5pPr>
-      <a:lvl6pPr marL="2286000" algn="l" defTabSz="457200" rtl="0" eaLnBrk="1" latinLnBrk="0" hangingPunct="1">
-        <a:defRPr sz="1800" kern="1200">
+      <a:lvl6pPr marL="1714500" algn="l" defTabSz="685800" rtl="0" eaLnBrk="1" latinLnBrk="0" hangingPunct="1">
+        <a:defRPr sz="1350" kern="1200">
           <a:solidFill>
             <a:schemeClr val="tx1"/>
           </a:solidFill>
@@ -3051,8 +3596,8 @@
           <a:cs typeface="+mn-cs"/>
         </a:defRPr>
       </a:lvl6pPr>
-      <a:lvl7pPr marL="2743200" algn="l" defTabSz="457200" rtl="0" eaLnBrk="1" latinLnBrk="0" hangingPunct="1">
-        <a:defRPr sz="1800" kern="1200">
+      <a:lvl7pPr marL="2057400" algn="l" defTabSz="685800" rtl="0" eaLnBrk="1" latinLnBrk="0" hangingPunct="1">
+        <a:defRPr sz="1350" kern="1200">
           <a:solidFill>
             <a:schemeClr val="tx1"/>
           </a:solidFill>
@@ -3061,8 +3606,8 @@
           <a:cs typeface="+mn-cs"/>
         </a:defRPr>
       </a:lvl7pPr>
-      <a:lvl8pPr marL="3200400" algn="l" defTabSz="457200" rtl="0" eaLnBrk="1" latinLnBrk="0" hangingPunct="1">
-        <a:defRPr sz="1800" kern="1200">
+      <a:lvl8pPr marL="2400300" algn="l" defTabSz="685800" rtl="0" eaLnBrk="1" latinLnBrk="0" hangingPunct="1">
+        <a:defRPr sz="1350" kern="1200">
           <a:solidFill>
             <a:schemeClr val="tx1"/>
           </a:solidFill>
@@ -3071,8 +3616,8 @@
           <a:cs typeface="+mn-cs"/>
         </a:defRPr>
       </a:lvl8pPr>
-      <a:lvl9pPr marL="3657600" algn="l" defTabSz="457200" rtl="0" eaLnBrk="1" latinLnBrk="0" hangingPunct="1">
-        <a:defRPr sz="1800" kern="1200">
+      <a:lvl9pPr marL="2743200" algn="l" defTabSz="685800" rtl="0" eaLnBrk="1" latinLnBrk="0" hangingPunct="1">
+        <a:defRPr sz="1350" kern="1200">
           <a:solidFill>
             <a:schemeClr val="tx1"/>
           </a:solidFill>
@@ -3119,8 +3664,8 @@
         </p:nvSpPr>
         <p:spPr>
           <a:xfrm>
-            <a:off x="914400" y="2286000"/>
-            <a:ext cx="7315200" cy="914400"/>
+            <a:off x="1486860" y="1371600"/>
+            <a:ext cx="6170279" cy="923330"/>
           </a:xfrm>
           <a:prstGeom prst="rect">
             <a:avLst/>
@@ -3141,6 +3686,11 @@
               </a:defRPr>
             </a:pPr>
             <a:r>
+              <a:rPr dirty="0">
+                <a:solidFill>
+                  <a:srgbClr val="FFFF00"/>
+                </a:solidFill>
+              </a:rPr>
               <a:t>ChatBot with PDF</a:t>
             </a:r>
           </a:p>
@@ -3154,8 +3704,8 @@
         </p:nvSpPr>
         <p:spPr>
           <a:xfrm>
-            <a:off x="914400" y="3474720"/>
-            <a:ext cx="7315200" cy="914400"/>
+            <a:off x="1361602" y="2560320"/>
+            <a:ext cx="6420796" cy="523220"/>
           </a:xfrm>
           <a:prstGeom prst="rect">
             <a:avLst/>
@@ -3176,7 +3726,11 @@
               </a:defRPr>
             </a:pPr>
             <a:r>
-              <a:rPr dirty="0"/>
+              <a:rPr dirty="0">
+                <a:solidFill>
+                  <a:srgbClr val="FFFF00"/>
+                </a:solidFill>
+              </a:rPr>
               <a:t>AI-Powered Document Intelligence System</a:t>
             </a:r>
           </a:p>
@@ -3190,8 +3744,8 @@
         </p:nvSpPr>
         <p:spPr>
           <a:xfrm>
-            <a:off x="2781740" y="4533363"/>
-            <a:ext cx="3580531" cy="461665"/>
+            <a:off x="2561391" y="3618963"/>
+            <a:ext cx="4021230" cy="461665"/>
           </a:xfrm>
           <a:prstGeom prst="rect">
             <a:avLst/>
@@ -3212,10 +3766,18 @@
               </a:defRPr>
             </a:pPr>
             <a:r>
-              <a:rPr lang="en-US" sz="2400" dirty="0"/>
+              <a:rPr lang="en-US" sz="2400" dirty="0">
+                <a:solidFill>
+                  <a:srgbClr val="FFFF00"/>
+                </a:solidFill>
+              </a:rPr>
               <a:t>JULIUS GODWIN KANYAMA</a:t>
             </a:r>
-            <a:endParaRPr sz="2400" dirty="0"/>
+            <a:endParaRPr sz="2400" dirty="0">
+              <a:solidFill>
+                <a:srgbClr val="FFFF00"/>
+              </a:solidFill>
+            </a:endParaRPr>
           </a:p>
         </p:txBody>
       </p:sp>
@@ -3233,7 +3795,7 @@
         </p:nvSpPr>
         <p:spPr>
           <a:xfrm>
-            <a:off x="3600131" y="4902695"/>
+            <a:off x="3600131" y="3988295"/>
             <a:ext cx="1428596" cy="461665"/>
           </a:xfrm>
           <a:prstGeom prst="rect">
@@ -3255,10 +3817,18 @@
               </a:defRPr>
             </a:pPr>
             <a:r>
-              <a:rPr lang="en-US" sz="2400" dirty="0"/>
+              <a:rPr lang="en-US" sz="2400" dirty="0">
+                <a:solidFill>
+                  <a:srgbClr val="FFFF00"/>
+                </a:solidFill>
+              </a:rPr>
               <a:t>20234128</a:t>
             </a:r>
-            <a:endParaRPr dirty="0"/>
+            <a:endParaRPr dirty="0">
+              <a:solidFill>
+                <a:srgbClr val="FFFF00"/>
+              </a:solidFill>
+            </a:endParaRPr>
           </a:p>
         </p:txBody>
       </p:sp>
@@ -3276,8 +3846,8 @@
         </p:nvSpPr>
         <p:spPr>
           <a:xfrm>
-            <a:off x="3081368" y="5676666"/>
-            <a:ext cx="2981265" cy="461665"/>
+            <a:off x="2977814" y="4762266"/>
+            <a:ext cx="3188373" cy="461665"/>
           </a:xfrm>
           <a:prstGeom prst="rect">
             <a:avLst/>
@@ -3298,10 +3868,18 @@
               </a:defRPr>
             </a:pPr>
             <a:r>
-              <a:rPr lang="en-US" sz="2400" dirty="0"/>
+              <a:rPr lang="en-US" sz="2400" dirty="0">
+                <a:solidFill>
+                  <a:srgbClr val="FFFF00"/>
+                </a:solidFill>
+              </a:rPr>
               <a:t>DR RAMIZ M. SALAMA</a:t>
             </a:r>
-            <a:endParaRPr sz="2400" dirty="0"/>
+            <a:endParaRPr sz="2400" dirty="0">
+              <a:solidFill>
+                <a:srgbClr val="FFFF00"/>
+              </a:solidFill>
+            </a:endParaRPr>
           </a:p>
         </p:txBody>
       </p:sp>
@@ -3360,195 +3938,330 @@
               </a:defRPr>
             </a:pPr>
             <a:r>
-              <a:t>Output: Chat Interface</a:t>
-            </a:r>
-          </a:p>
-        </p:txBody>
-      </p:sp>
-      <p:sp>
-        <p:nvSpPr>
-          <p:cNvPr id="3" name="TextBox 2"/>
-          <p:cNvSpPr txBox="1"/>
+              <a:t>Advanced Features</a:t>
+            </a:r>
+          </a:p>
+        </p:txBody>
+      </p:sp>
+      <p:sp>
+        <p:nvSpPr>
+          <p:cNvPr id="3" name="Rectangle 2"/>
+          <p:cNvSpPr/>
           <p:nvPr/>
         </p:nvSpPr>
         <p:spPr>
           <a:xfrm>
-            <a:off x="731520" y="1463040"/>
-            <a:ext cx="7772400" cy="4572000"/>
+            <a:off x="731520" y="1169402"/>
+            <a:ext cx="7772400" cy="777240"/>
           </a:xfrm>
           <a:prstGeom prst="rect">
             <a:avLst/>
           </a:prstGeom>
-          <a:noFill/>
-        </p:spPr>
-        <p:txBody>
-          <a:bodyPr wrap="square">
-            <a:spAutoFit/>
-          </a:bodyPr>
-          <a:lstStyle/>
-          <a:p>
-            <a:pPr>
-              <a:defRPr sz="2000" b="1">
-                <a:solidFill>
-                  <a:srgbClr val="475569"/>
-                </a:solidFill>
-              </a:defRPr>
-            </a:pPr>
-            <a:r>
-              <a:t>Split-View Layout</a:t>
-            </a:r>
-          </a:p>
-          <a:p>
-            <a:pPr lvl="1">
-              <a:defRPr sz="1600">
-                <a:solidFill>
-                  <a:srgbClr val="475569"/>
-                </a:solidFill>
-              </a:defRPr>
-            </a:pPr>
-            <a:r>
-              <a:t>  • Document viewer on left, chat on right</a:t>
-            </a:r>
-          </a:p>
-          <a:p>
-            <a:pPr lvl="1">
-              <a:defRPr sz="1600">
-                <a:solidFill>
-                  <a:srgbClr val="475569"/>
-                </a:solidFill>
-              </a:defRPr>
-            </a:pPr>
-            <a:r>
-              <a:t>  • Resizable panels for flexible viewing</a:t>
-            </a:r>
-          </a:p>
-          <a:p>
-            <a:endParaRPr/>
-          </a:p>
-          <a:p>
-            <a:pPr>
-              <a:defRPr sz="2000" b="1">
-                <a:solidFill>
-                  <a:srgbClr val="475569"/>
-                </a:solidFill>
-              </a:defRPr>
-            </a:pPr>
-            <a:r>
-              <a:t>Real-Time Responses</a:t>
-            </a:r>
-          </a:p>
-          <a:p>
-            <a:pPr lvl="1">
-              <a:defRPr sz="1600">
-                <a:solidFill>
-                  <a:srgbClr val="475569"/>
-                </a:solidFill>
-              </a:defRPr>
-            </a:pPr>
-            <a:r>
-              <a:t>  • Type question and get instant AI-generated answer</a:t>
-            </a:r>
-          </a:p>
-          <a:p>
-            <a:pPr lvl="1">
-              <a:defRPr sz="1600">
-                <a:solidFill>
-                  <a:srgbClr val="475569"/>
-                </a:solidFill>
-              </a:defRPr>
-            </a:pPr>
-            <a:r>
-              <a:t>  • Loading indicator during processing</a:t>
-            </a:r>
-          </a:p>
-          <a:p>
-            <a:endParaRPr/>
-          </a:p>
-          <a:p>
-            <a:pPr>
-              <a:defRPr sz="2000" b="1">
-                <a:solidFill>
-                  <a:srgbClr val="475569"/>
-                </a:solidFill>
-              </a:defRPr>
-            </a:pPr>
-            <a:r>
-              <a:t>Message History</a:t>
-            </a:r>
-          </a:p>
-          <a:p>
-            <a:pPr lvl="1">
-              <a:defRPr sz="1600">
-                <a:solidFill>
-                  <a:srgbClr val="475569"/>
-                </a:solidFill>
-              </a:defRPr>
-            </a:pPr>
-            <a:r>
-              <a:t>  • Complete conversation history saved</a:t>
-            </a:r>
-          </a:p>
-          <a:p>
-            <a:pPr lvl="1">
-              <a:defRPr sz="1600">
-                <a:solidFill>
-                  <a:srgbClr val="475569"/>
-                </a:solidFill>
-              </a:defRPr>
-            </a:pPr>
-            <a:r>
-              <a:t>  • Context-aware responses using last 10 messages</a:t>
-            </a:r>
-          </a:p>
-          <a:p>
-            <a:endParaRPr/>
-          </a:p>
-          <a:p>
-            <a:pPr>
-              <a:defRPr sz="2000" b="1">
-                <a:solidFill>
-                  <a:srgbClr val="475569"/>
-                </a:solidFill>
-              </a:defRPr>
-            </a:pPr>
-            <a:r>
-              <a:t>Interactive Features</a:t>
-            </a:r>
-          </a:p>
-          <a:p>
-            <a:pPr lvl="1">
-              <a:defRPr sz="1600">
-                <a:solidFill>
-                  <a:srgbClr val="475569"/>
-                </a:solidFill>
-              </a:defRPr>
-            </a:pPr>
-            <a:r>
-              <a:t>  • Click citations to navigate to source pages</a:t>
-            </a:r>
-          </a:p>
-          <a:p>
-            <a:pPr lvl="1">
-              <a:defRPr sz="1600">
-                <a:solidFill>
-                  <a:srgbClr val="475569"/>
-                </a:solidFill>
-              </a:defRPr>
-            </a:pPr>
-            <a:r>
-              <a:t>  • Markdown formatting support</a:t>
-            </a:r>
-          </a:p>
-          <a:p>
-            <a:pPr lvl="1">
-              <a:defRPr sz="1600">
-                <a:solidFill>
-                  <a:srgbClr val="475569"/>
-                </a:solidFill>
-              </a:defRPr>
-            </a:pPr>
-            <a:r>
-              <a:t>  • Copy/paste functionality</a:t>
+          <a:solidFill>
+            <a:srgbClr val="F1F5F9"/>
+          </a:solidFill>
+        </p:spPr>
+        <p:style>
+          <a:lnRef idx="1">
+            <a:schemeClr val="accent1"/>
+          </a:lnRef>
+          <a:fillRef idx="3">
+            <a:schemeClr val="accent1"/>
+          </a:fillRef>
+          <a:effectRef idx="2">
+            <a:schemeClr val="accent1"/>
+          </a:effectRef>
+          <a:fontRef idx="minor">
+            <a:schemeClr val="lt1"/>
+          </a:fontRef>
+        </p:style>
+        <p:txBody>
+          <a:bodyPr wrap="square" rtlCol="0" anchor="ctr"/>
+          <a:lstStyle/>
+          <a:p>
+            <a:pPr algn="ctr">
+              <a:defRPr sz="1800" b="1">
+                <a:solidFill>
+                  <a:srgbClr val="2563EB"/>
+                </a:solidFill>
+              </a:defRPr>
+            </a:pPr>
+            <a:r>
+              <a:rPr sz="2000" dirty="0"/>
+              <a:t>Image Extraction &amp; Captioning</a:t>
+            </a:r>
+          </a:p>
+          <a:p>
+            <a:pPr>
+              <a:defRPr sz="1400">
+                <a:solidFill>
+                  <a:srgbClr val="475569"/>
+                </a:solidFill>
+              </a:defRPr>
+            </a:pPr>
+            <a:r>
+              <a:rPr sz="1600" dirty="0"/>
+              <a:t>Extracts images from PDFs and generates searchable captions using GPT-4 Vision</a:t>
+            </a:r>
+          </a:p>
+        </p:txBody>
+      </p:sp>
+      <p:sp>
+        <p:nvSpPr>
+          <p:cNvPr id="4" name="Rectangle 3"/>
+          <p:cNvSpPr/>
+          <p:nvPr/>
+        </p:nvSpPr>
+        <p:spPr>
+          <a:xfrm>
+            <a:off x="731520" y="2083802"/>
+            <a:ext cx="7772400" cy="777240"/>
+          </a:xfrm>
+          <a:prstGeom prst="rect">
+            <a:avLst/>
+          </a:prstGeom>
+          <a:solidFill>
+            <a:srgbClr val="F1F5F9"/>
+          </a:solidFill>
+        </p:spPr>
+        <p:style>
+          <a:lnRef idx="1">
+            <a:schemeClr val="accent1"/>
+          </a:lnRef>
+          <a:fillRef idx="3">
+            <a:schemeClr val="accent1"/>
+          </a:fillRef>
+          <a:effectRef idx="2">
+            <a:schemeClr val="accent1"/>
+          </a:effectRef>
+          <a:fontRef idx="minor">
+            <a:schemeClr val="lt1"/>
+          </a:fontRef>
+        </p:style>
+        <p:txBody>
+          <a:bodyPr wrap="square" rtlCol="0" anchor="ctr"/>
+          <a:lstStyle/>
+          <a:p>
+            <a:pPr algn="ctr">
+              <a:defRPr sz="1800" b="1">
+                <a:solidFill>
+                  <a:srgbClr val="2563EB"/>
+                </a:solidFill>
+              </a:defRPr>
+            </a:pPr>
+            <a:r>
+              <a:rPr sz="2000" dirty="0"/>
+              <a:t>Page-Specific Retrieval</a:t>
+            </a:r>
+          </a:p>
+          <a:p>
+            <a:pPr>
+              <a:defRPr sz="1400">
+                <a:solidFill>
+                  <a:srgbClr val="475569"/>
+                </a:solidFill>
+              </a:defRPr>
+            </a:pPr>
+            <a:r>
+              <a:rPr sz="1600" dirty="0"/>
+              <a:t>Detects 'page 5' or 'slide 10' in questions and retrieves only relevant pages</a:t>
+            </a:r>
+          </a:p>
+        </p:txBody>
+      </p:sp>
+      <p:sp>
+        <p:nvSpPr>
+          <p:cNvPr id="5" name="Rectangle 4"/>
+          <p:cNvSpPr/>
+          <p:nvPr/>
+        </p:nvSpPr>
+        <p:spPr>
+          <a:xfrm>
+            <a:off x="731520" y="2998202"/>
+            <a:ext cx="7772400" cy="777240"/>
+          </a:xfrm>
+          <a:prstGeom prst="rect">
+            <a:avLst/>
+          </a:prstGeom>
+          <a:solidFill>
+            <a:srgbClr val="F1F5F9"/>
+          </a:solidFill>
+        </p:spPr>
+        <p:style>
+          <a:lnRef idx="1">
+            <a:schemeClr val="accent1"/>
+          </a:lnRef>
+          <a:fillRef idx="3">
+            <a:schemeClr val="accent1"/>
+          </a:fillRef>
+          <a:effectRef idx="2">
+            <a:schemeClr val="accent1"/>
+          </a:effectRef>
+          <a:fontRef idx="minor">
+            <a:schemeClr val="lt1"/>
+          </a:fontRef>
+        </p:style>
+        <p:txBody>
+          <a:bodyPr wrap="square" rtlCol="0" anchor="ctr"/>
+          <a:lstStyle/>
+          <a:p>
+            <a:pPr algn="ctr">
+              <a:defRPr sz="1800" b="1">
+                <a:solidFill>
+                  <a:srgbClr val="2563EB"/>
+                </a:solidFill>
+              </a:defRPr>
+            </a:pPr>
+            <a:r>
+              <a:rPr sz="2000" dirty="0"/>
+              <a:t>Question Classification</a:t>
+            </a:r>
+          </a:p>
+          <a:p>
+            <a:pPr>
+              <a:defRPr sz="1400">
+                <a:solidFill>
+                  <a:srgbClr val="475569"/>
+                </a:solidFill>
+              </a:defRPr>
+            </a:pPr>
+            <a:r>
+              <a:rPr sz="1600" dirty="0"/>
+              <a:t>Determines if question is document-related or general knowledge</a:t>
+            </a:r>
+          </a:p>
+        </p:txBody>
+      </p:sp>
+      <p:sp>
+        <p:nvSpPr>
+          <p:cNvPr id="6" name="Rectangle 5"/>
+          <p:cNvSpPr/>
+          <p:nvPr/>
+        </p:nvSpPr>
+        <p:spPr>
+          <a:xfrm>
+            <a:off x="731520" y="3912602"/>
+            <a:ext cx="7772400" cy="777240"/>
+          </a:xfrm>
+          <a:prstGeom prst="rect">
+            <a:avLst/>
+          </a:prstGeom>
+          <a:solidFill>
+            <a:srgbClr val="F1F5F9"/>
+          </a:solidFill>
+        </p:spPr>
+        <p:style>
+          <a:lnRef idx="1">
+            <a:schemeClr val="accent1"/>
+          </a:lnRef>
+          <a:fillRef idx="3">
+            <a:schemeClr val="accent1"/>
+          </a:fillRef>
+          <a:effectRef idx="2">
+            <a:schemeClr val="accent1"/>
+          </a:effectRef>
+          <a:fontRef idx="minor">
+            <a:schemeClr val="lt1"/>
+          </a:fontRef>
+        </p:style>
+        <p:txBody>
+          <a:bodyPr wrap="square" rtlCol="0" anchor="ctr"/>
+          <a:lstStyle/>
+          <a:p>
+            <a:pPr algn="ctr">
+              <a:defRPr sz="1800" b="1">
+                <a:solidFill>
+                  <a:srgbClr val="2563EB"/>
+                </a:solidFill>
+              </a:defRPr>
+            </a:pPr>
+            <a:r>
+              <a:rPr sz="2000" dirty="0"/>
+              <a:t>Multi-Language Support</a:t>
+            </a:r>
+          </a:p>
+          <a:p>
+            <a:pPr>
+              <a:defRPr sz="1400">
+                <a:solidFill>
+                  <a:srgbClr val="475569"/>
+                </a:solidFill>
+              </a:defRPr>
+            </a:pPr>
+            <a:r>
+              <a:rPr sz="1600" dirty="0"/>
+              <a:t>English and Turkish language interface with auto-detection</a:t>
+            </a:r>
+          </a:p>
+        </p:txBody>
+      </p:sp>
+      <p:sp>
+        <p:nvSpPr>
+          <p:cNvPr id="7" name="Rectangle 6"/>
+          <p:cNvSpPr/>
+          <p:nvPr/>
+        </p:nvSpPr>
+        <p:spPr>
+          <a:xfrm>
+            <a:off x="731520" y="4827002"/>
+            <a:ext cx="7772400" cy="777240"/>
+          </a:xfrm>
+          <a:prstGeom prst="rect">
+            <a:avLst/>
+          </a:prstGeom>
+          <a:solidFill>
+            <a:srgbClr val="F1F5F9"/>
+          </a:solidFill>
+        </p:spPr>
+        <p:style>
+          <a:lnRef idx="1">
+            <a:schemeClr val="accent1"/>
+          </a:lnRef>
+          <a:fillRef idx="3">
+            <a:schemeClr val="accent1"/>
+          </a:fillRef>
+          <a:effectRef idx="2">
+            <a:schemeClr val="accent1"/>
+          </a:effectRef>
+          <a:fontRef idx="minor">
+            <a:schemeClr val="lt1"/>
+          </a:fontRef>
+        </p:style>
+        <p:txBody>
+          <a:bodyPr wrap="square" rtlCol="0" anchor="ctr"/>
+          <a:lstStyle/>
+          <a:p>
+            <a:pPr algn="ctr">
+              <a:defRPr sz="1800" b="1">
+                <a:solidFill>
+                  <a:srgbClr val="2563EB"/>
+                </a:solidFill>
+              </a:defRPr>
+            </a:pPr>
+            <a:r>
+              <a:rPr sz="2000" dirty="0"/>
+              <a:t>Secure Authentication</a:t>
+            </a:r>
+          </a:p>
+          <a:p>
+            <a:pPr>
+              <a:defRPr sz="1400">
+                <a:solidFill>
+                  <a:srgbClr val="475569"/>
+                </a:solidFill>
+              </a:defRPr>
+            </a:pPr>
+            <a:r>
+              <a:rPr sz="1600" dirty="0"/>
+              <a:t>JWT-based authentication with </a:t>
+            </a:r>
+            <a:r>
+              <a:rPr sz="1600" dirty="0" err="1"/>
+              <a:t>bcrypt</a:t>
+            </a:r>
+            <a:r>
+              <a:rPr sz="1600" dirty="0"/>
+              <a:t> password hashing</a:t>
             </a:r>
           </a:p>
         </p:txBody>
@@ -3586,8 +4299,8 @@
         </p:nvSpPr>
         <p:spPr>
           <a:xfrm>
-            <a:off x="457200" y="457200"/>
-            <a:ext cx="8229600" cy="731520"/>
+            <a:off x="663262" y="91440"/>
+            <a:ext cx="7264681" cy="646331"/>
           </a:xfrm>
           <a:prstGeom prst="rect">
             <a:avLst/>
@@ -3608,7 +4321,8 @@
               </a:defRPr>
             </a:pPr>
             <a:r>
-              <a:t>Output: Document Management</a:t>
+              <a:rPr sz="3600" dirty="0"/>
+              <a:t>System Performance &amp; Accuracy</a:t>
             </a:r>
           </a:p>
         </p:txBody>
@@ -3621,8 +4335,8 @@
         </p:nvSpPr>
         <p:spPr>
           <a:xfrm>
-            <a:off x="731520" y="1463040"/>
-            <a:ext cx="7772400" cy="4572000"/>
+            <a:off x="828755" y="705177"/>
+            <a:ext cx="7486489" cy="5447645"/>
           </a:xfrm>
           <a:prstGeom prst="rect">
             <a:avLst/>
@@ -3643,7 +4357,8 @@
               </a:defRPr>
             </a:pPr>
             <a:r>
-              <a:t>Document Library</a:t>
+              <a:rPr sz="2400" dirty="0"/>
+              <a:t>Retrieval Accuracy</a:t>
             </a:r>
           </a:p>
           <a:p>
@@ -3655,7 +4370,8 @@
               </a:defRPr>
             </a:pPr>
             <a:r>
-              <a:t>  • View all uploaded documents</a:t>
+              <a:rPr dirty="0"/>
+              <a:t>  • Cosine similarity threshold: 0.7</a:t>
             </a:r>
           </a:p>
           <a:p>
@@ -3667,7 +4383,8 @@
               </a:defRPr>
             </a:pPr>
             <a:r>
-              <a:t>  • Shows file name, page count, upload date</a:t>
+              <a:rPr dirty="0"/>
+              <a:t>  • Top 15 most relevant chunks retrieved</a:t>
             </a:r>
           </a:p>
           <a:p>
@@ -3679,11 +4396,12 @@
               </a:defRPr>
             </a:pPr>
             <a:r>
-              <a:t>  • Search and filter capabilities</a:t>
-            </a:r>
-          </a:p>
-          <a:p>
-            <a:endParaRPr/>
+              <a:rPr dirty="0"/>
+              <a:t>  • Average response time: 2-3 seconds</a:t>
+            </a:r>
+          </a:p>
+          <a:p>
+            <a:endParaRPr sz="2000" dirty="0"/>
           </a:p>
           <a:p>
             <a:pPr>
@@ -3694,7 +4412,8 @@
               </a:defRPr>
             </a:pPr>
             <a:r>
-              <a:t>Folder System</a:t>
+              <a:rPr sz="2400" dirty="0"/>
+              <a:t>Citation Accuracy</a:t>
             </a:r>
           </a:p>
           <a:p>
@@ -3706,7 +4425,8 @@
               </a:defRPr>
             </a:pPr>
             <a:r>
-              <a:t>  • Create folders to organize documents</a:t>
+              <a:rPr dirty="0"/>
+              <a:t>  • citation requirement enforced</a:t>
             </a:r>
           </a:p>
           <a:p>
@@ -3718,7 +4438,8 @@
               </a:defRPr>
             </a:pPr>
             <a:r>
-              <a:t>  • Drag-and-drop to move documents</a:t>
+              <a:rPr dirty="0"/>
+              <a:t>  • Page numbers verified against source documents</a:t>
             </a:r>
           </a:p>
           <a:p>
@@ -3730,11 +4451,12 @@
               </a:defRPr>
             </a:pPr>
             <a:r>
-              <a:t>  • Rename, delete, and manage folders</a:t>
-            </a:r>
-          </a:p>
-          <a:p>
-            <a:endParaRPr/>
+              <a:rPr dirty="0"/>
+              <a:t>  • Multi-document source attribution working correctly</a:t>
+            </a:r>
+          </a:p>
+          <a:p>
+            <a:endParaRPr sz="2000" dirty="0"/>
           </a:p>
           <a:p>
             <a:pPr>
@@ -3745,7 +4467,8 @@
               </a:defRPr>
             </a:pPr>
             <a:r>
-              <a:t>Document Actions</a:t>
+              <a:rPr sz="2400" dirty="0"/>
+              <a:t>Scalability</a:t>
             </a:r>
           </a:p>
           <a:p>
@@ -3757,7 +4480,8 @@
               </a:defRPr>
             </a:pPr>
             <a:r>
-              <a:t>  • Rename documents</a:t>
+              <a:rPr dirty="0"/>
+              <a:t>  • Vector embeddings cached in database</a:t>
             </a:r>
           </a:p>
           <a:p>
@@ -3769,7 +4493,8 @@
               </a:defRPr>
             </a:pPr>
             <a:r>
-              <a:t>  • Delete documents</a:t>
+              <a:rPr dirty="0"/>
+              <a:t>  • Batch embedding generation (100 per API call)</a:t>
             </a:r>
           </a:p>
           <a:p>
@@ -3781,7 +4506,24 @@
               </a:defRPr>
             </a:pPr>
             <a:r>
-              <a:t>  • Reset chat history</a:t>
+              <a:rPr dirty="0"/>
+              <a:t>  • Async processing for document uploads</a:t>
+            </a:r>
+          </a:p>
+          <a:p>
+            <a:endParaRPr sz="2000" dirty="0"/>
+          </a:p>
+          <a:p>
+            <a:pPr>
+              <a:defRPr sz="2000" b="1">
+                <a:solidFill>
+                  <a:srgbClr val="475569"/>
+                </a:solidFill>
+              </a:defRPr>
+            </a:pPr>
+            <a:r>
+              <a:rPr sz="2400" dirty="0"/>
+              <a:t>User Experience</a:t>
             </a:r>
           </a:p>
           <a:p>
@@ -3793,22 +4535,8 @@
               </a:defRPr>
             </a:pPr>
             <a:r>
-              <a:t>  • Download original file</a:t>
-            </a:r>
-          </a:p>
-          <a:p>
-            <a:endParaRPr/>
-          </a:p>
-          <a:p>
-            <a:pPr>
-              <a:defRPr sz="2000" b="1">
-                <a:solidFill>
-                  <a:srgbClr val="475569"/>
-                </a:solidFill>
-              </a:defRPr>
-            </a:pPr>
-            <a:r>
-              <a:t>Multi-Format Support</a:t>
+              <a:rPr dirty="0"/>
+              <a:t>  • Responsive design for all screen sizes</a:t>
             </a:r>
           </a:p>
           <a:p>
@@ -3820,7 +4548,8 @@
               </a:defRPr>
             </a:pPr>
             <a:r>
-              <a:t>  • PDF, DOCX, PPTX, and images</a:t>
+              <a:rPr dirty="0"/>
+              <a:t>  • Real-time loading indicators</a:t>
             </a:r>
           </a:p>
           <a:p>
@@ -3832,7 +4561,8 @@
               </a:defRPr>
             </a:pPr>
             <a:r>
-              <a:t>  • Automatic format detection and rendering</a:t>
+              <a:rPr dirty="0"/>
+              <a:t>  • Smooth transitions and animations</a:t>
             </a:r>
           </a:p>
         </p:txBody>
@@ -3846,655 +4576,6 @@
 </file>
 
 <file path=ppt/slides/slide12.xml><?xml version="1.0" encoding="utf-8"?>
-<p:sld xmlns:a="http://schemas.openxmlformats.org/drawingml/2006/main" xmlns:r="http://schemas.openxmlformats.org/officeDocument/2006/relationships" xmlns:p="http://schemas.openxmlformats.org/presentationml/2006/main">
-  <p:cSld>
-    <p:spTree>
-      <p:nvGrpSpPr>
-        <p:cNvPr id="1" name=""/>
-        <p:cNvGrpSpPr/>
-        <p:nvPr/>
-      </p:nvGrpSpPr>
-      <p:grpSpPr>
-        <a:xfrm>
-          <a:off x="0" y="0"/>
-          <a:ext cx="0" cy="0"/>
-          <a:chOff x="0" y="0"/>
-          <a:chExt cx="0" cy="0"/>
-        </a:xfrm>
-      </p:grpSpPr>
-      <p:sp>
-        <p:nvSpPr>
-          <p:cNvPr id="2" name="TextBox 1"/>
-          <p:cNvSpPr txBox="1"/>
-          <p:nvPr/>
-        </p:nvSpPr>
-        <p:spPr>
-          <a:xfrm>
-            <a:off x="457200" y="457200"/>
-            <a:ext cx="8229600" cy="731520"/>
-          </a:xfrm>
-          <a:prstGeom prst="rect">
-            <a:avLst/>
-          </a:prstGeom>
-          <a:noFill/>
-        </p:spPr>
-        <p:txBody>
-          <a:bodyPr wrap="none">
-            <a:spAutoFit/>
-          </a:bodyPr>
-          <a:lstStyle/>
-          <a:p>
-            <a:pPr>
-              <a:defRPr sz="4000" b="1">
-                <a:solidFill>
-                  <a:srgbClr val="2563EB"/>
-                </a:solidFill>
-              </a:defRPr>
-            </a:pPr>
-            <a:r>
-              <a:t>Advanced Features</a:t>
-            </a:r>
-          </a:p>
-        </p:txBody>
-      </p:sp>
-      <p:sp>
-        <p:nvSpPr>
-          <p:cNvPr id="3" name="Rectangle 2"/>
-          <p:cNvSpPr/>
-          <p:nvPr/>
-        </p:nvSpPr>
-        <p:spPr>
-          <a:xfrm>
-            <a:off x="731520" y="1645920"/>
-            <a:ext cx="7772400" cy="777240"/>
-          </a:xfrm>
-          <a:prstGeom prst="rect">
-            <a:avLst/>
-          </a:prstGeom>
-          <a:solidFill>
-            <a:srgbClr val="F1F5F9"/>
-          </a:solidFill>
-        </p:spPr>
-        <p:style>
-          <a:lnRef idx="1">
-            <a:schemeClr val="accent1"/>
-          </a:lnRef>
-          <a:fillRef idx="3">
-            <a:schemeClr val="accent1"/>
-          </a:fillRef>
-          <a:effectRef idx="2">
-            <a:schemeClr val="accent1"/>
-          </a:effectRef>
-          <a:fontRef idx="minor">
-            <a:schemeClr val="lt1"/>
-          </a:fontRef>
-        </p:style>
-        <p:txBody>
-          <a:bodyPr wrap="square" rtlCol="0" anchor="ctr"/>
-          <a:lstStyle/>
-          <a:p>
-            <a:pPr algn="ctr">
-              <a:defRPr sz="1800" b="1">
-                <a:solidFill>
-                  <a:srgbClr val="2563EB"/>
-                </a:solidFill>
-              </a:defRPr>
-            </a:pPr>
-            <a:r>
-              <a:t>Image Extraction &amp; Captioning</a:t>
-            </a:r>
-          </a:p>
-          <a:p>
-            <a:pPr>
-              <a:defRPr sz="1400">
-                <a:solidFill>
-                  <a:srgbClr val="475569"/>
-                </a:solidFill>
-              </a:defRPr>
-            </a:pPr>
-            <a:r>
-              <a:t>Extracts images from PDFs and generates searchable captions using GPT-4 Vision</a:t>
-            </a:r>
-          </a:p>
-        </p:txBody>
-      </p:sp>
-      <p:sp>
-        <p:nvSpPr>
-          <p:cNvPr id="4" name="Rectangle 3"/>
-          <p:cNvSpPr/>
-          <p:nvPr/>
-        </p:nvSpPr>
-        <p:spPr>
-          <a:xfrm>
-            <a:off x="731520" y="2560320"/>
-            <a:ext cx="7772400" cy="777240"/>
-          </a:xfrm>
-          <a:prstGeom prst="rect">
-            <a:avLst/>
-          </a:prstGeom>
-          <a:solidFill>
-            <a:srgbClr val="F1F5F9"/>
-          </a:solidFill>
-        </p:spPr>
-        <p:style>
-          <a:lnRef idx="1">
-            <a:schemeClr val="accent1"/>
-          </a:lnRef>
-          <a:fillRef idx="3">
-            <a:schemeClr val="accent1"/>
-          </a:fillRef>
-          <a:effectRef idx="2">
-            <a:schemeClr val="accent1"/>
-          </a:effectRef>
-          <a:fontRef idx="minor">
-            <a:schemeClr val="lt1"/>
-          </a:fontRef>
-        </p:style>
-        <p:txBody>
-          <a:bodyPr wrap="square" rtlCol="0" anchor="ctr"/>
-          <a:lstStyle/>
-          <a:p>
-            <a:pPr algn="ctr">
-              <a:defRPr sz="1800" b="1">
-                <a:solidFill>
-                  <a:srgbClr val="2563EB"/>
-                </a:solidFill>
-              </a:defRPr>
-            </a:pPr>
-            <a:r>
-              <a:t>Page-Specific Retrieval</a:t>
-            </a:r>
-          </a:p>
-          <a:p>
-            <a:pPr>
-              <a:defRPr sz="1400">
-                <a:solidFill>
-                  <a:srgbClr val="475569"/>
-                </a:solidFill>
-              </a:defRPr>
-            </a:pPr>
-            <a:r>
-              <a:t>Detects 'page 5' or 'slide 10' in questions and retrieves only relevant pages</a:t>
-            </a:r>
-          </a:p>
-        </p:txBody>
-      </p:sp>
-      <p:sp>
-        <p:nvSpPr>
-          <p:cNvPr id="5" name="Rectangle 4"/>
-          <p:cNvSpPr/>
-          <p:nvPr/>
-        </p:nvSpPr>
-        <p:spPr>
-          <a:xfrm>
-            <a:off x="731520" y="3474720"/>
-            <a:ext cx="7772400" cy="777240"/>
-          </a:xfrm>
-          <a:prstGeom prst="rect">
-            <a:avLst/>
-          </a:prstGeom>
-          <a:solidFill>
-            <a:srgbClr val="F1F5F9"/>
-          </a:solidFill>
-        </p:spPr>
-        <p:style>
-          <a:lnRef idx="1">
-            <a:schemeClr val="accent1"/>
-          </a:lnRef>
-          <a:fillRef idx="3">
-            <a:schemeClr val="accent1"/>
-          </a:fillRef>
-          <a:effectRef idx="2">
-            <a:schemeClr val="accent1"/>
-          </a:effectRef>
-          <a:fontRef idx="minor">
-            <a:schemeClr val="lt1"/>
-          </a:fontRef>
-        </p:style>
-        <p:txBody>
-          <a:bodyPr wrap="square" rtlCol="0" anchor="ctr"/>
-          <a:lstStyle/>
-          <a:p>
-            <a:pPr algn="ctr">
-              <a:defRPr sz="1800" b="1">
-                <a:solidFill>
-                  <a:srgbClr val="2563EB"/>
-                </a:solidFill>
-              </a:defRPr>
-            </a:pPr>
-            <a:r>
-              <a:t>Question Classification</a:t>
-            </a:r>
-          </a:p>
-          <a:p>
-            <a:pPr>
-              <a:defRPr sz="1400">
-                <a:solidFill>
-                  <a:srgbClr val="475569"/>
-                </a:solidFill>
-              </a:defRPr>
-            </a:pPr>
-            <a:r>
-              <a:t>Determines if question is document-related or general knowledge</a:t>
-            </a:r>
-          </a:p>
-        </p:txBody>
-      </p:sp>
-      <p:sp>
-        <p:nvSpPr>
-          <p:cNvPr id="6" name="Rectangle 5"/>
-          <p:cNvSpPr/>
-          <p:nvPr/>
-        </p:nvSpPr>
-        <p:spPr>
-          <a:xfrm>
-            <a:off x="731520" y="4389120"/>
-            <a:ext cx="7772400" cy="777240"/>
-          </a:xfrm>
-          <a:prstGeom prst="rect">
-            <a:avLst/>
-          </a:prstGeom>
-          <a:solidFill>
-            <a:srgbClr val="F1F5F9"/>
-          </a:solidFill>
-        </p:spPr>
-        <p:style>
-          <a:lnRef idx="1">
-            <a:schemeClr val="accent1"/>
-          </a:lnRef>
-          <a:fillRef idx="3">
-            <a:schemeClr val="accent1"/>
-          </a:fillRef>
-          <a:effectRef idx="2">
-            <a:schemeClr val="accent1"/>
-          </a:effectRef>
-          <a:fontRef idx="minor">
-            <a:schemeClr val="lt1"/>
-          </a:fontRef>
-        </p:style>
-        <p:txBody>
-          <a:bodyPr wrap="square" rtlCol="0" anchor="ctr"/>
-          <a:lstStyle/>
-          <a:p>
-            <a:pPr algn="ctr">
-              <a:defRPr sz="1800" b="1">
-                <a:solidFill>
-                  <a:srgbClr val="2563EB"/>
-                </a:solidFill>
-              </a:defRPr>
-            </a:pPr>
-            <a:r>
-              <a:t>Multi-Language Support</a:t>
-            </a:r>
-          </a:p>
-          <a:p>
-            <a:pPr>
-              <a:defRPr sz="1400">
-                <a:solidFill>
-                  <a:srgbClr val="475569"/>
-                </a:solidFill>
-              </a:defRPr>
-            </a:pPr>
-            <a:r>
-              <a:t>English and Turkish language interface with auto-detection</a:t>
-            </a:r>
-          </a:p>
-        </p:txBody>
-      </p:sp>
-      <p:sp>
-        <p:nvSpPr>
-          <p:cNvPr id="7" name="Rectangle 6"/>
-          <p:cNvSpPr/>
-          <p:nvPr/>
-        </p:nvSpPr>
-        <p:spPr>
-          <a:xfrm>
-            <a:off x="731520" y="5303520"/>
-            <a:ext cx="7772400" cy="777240"/>
-          </a:xfrm>
-          <a:prstGeom prst="rect">
-            <a:avLst/>
-          </a:prstGeom>
-          <a:solidFill>
-            <a:srgbClr val="F1F5F9"/>
-          </a:solidFill>
-        </p:spPr>
-        <p:style>
-          <a:lnRef idx="1">
-            <a:schemeClr val="accent1"/>
-          </a:lnRef>
-          <a:fillRef idx="3">
-            <a:schemeClr val="accent1"/>
-          </a:fillRef>
-          <a:effectRef idx="2">
-            <a:schemeClr val="accent1"/>
-          </a:effectRef>
-          <a:fontRef idx="minor">
-            <a:schemeClr val="lt1"/>
-          </a:fontRef>
-        </p:style>
-        <p:txBody>
-          <a:bodyPr wrap="square" rtlCol="0" anchor="ctr"/>
-          <a:lstStyle/>
-          <a:p>
-            <a:pPr algn="ctr">
-              <a:defRPr sz="1800" b="1">
-                <a:solidFill>
-                  <a:srgbClr val="2563EB"/>
-                </a:solidFill>
-              </a:defRPr>
-            </a:pPr>
-            <a:r>
-              <a:t>Secure Authentication</a:t>
-            </a:r>
-          </a:p>
-          <a:p>
-            <a:pPr>
-              <a:defRPr sz="1400">
-                <a:solidFill>
-                  <a:srgbClr val="475569"/>
-                </a:solidFill>
-              </a:defRPr>
-            </a:pPr>
-            <a:r>
-              <a:t>JWT-based authentication with bcrypt password hashing</a:t>
-            </a:r>
-          </a:p>
-        </p:txBody>
-      </p:sp>
-    </p:spTree>
-  </p:cSld>
-  <p:clrMapOvr>
-    <a:masterClrMapping/>
-  </p:clrMapOvr>
-</p:sld>
-</file>
-
-<file path=ppt/slides/slide13.xml><?xml version="1.0" encoding="utf-8"?>
-<p:sld xmlns:a="http://schemas.openxmlformats.org/drawingml/2006/main" xmlns:r="http://schemas.openxmlformats.org/officeDocument/2006/relationships" xmlns:p="http://schemas.openxmlformats.org/presentationml/2006/main">
-  <p:cSld>
-    <p:spTree>
-      <p:nvGrpSpPr>
-        <p:cNvPr id="1" name=""/>
-        <p:cNvGrpSpPr/>
-        <p:nvPr/>
-      </p:nvGrpSpPr>
-      <p:grpSpPr>
-        <a:xfrm>
-          <a:off x="0" y="0"/>
-          <a:ext cx="0" cy="0"/>
-          <a:chOff x="0" y="0"/>
-          <a:chExt cx="0" cy="0"/>
-        </a:xfrm>
-      </p:grpSpPr>
-      <p:sp>
-        <p:nvSpPr>
-          <p:cNvPr id="2" name="TextBox 1"/>
-          <p:cNvSpPr txBox="1"/>
-          <p:nvPr/>
-        </p:nvSpPr>
-        <p:spPr>
-          <a:xfrm>
-            <a:off x="457200" y="457200"/>
-            <a:ext cx="8229600" cy="731520"/>
-          </a:xfrm>
-          <a:prstGeom prst="rect">
-            <a:avLst/>
-          </a:prstGeom>
-          <a:noFill/>
-        </p:spPr>
-        <p:txBody>
-          <a:bodyPr wrap="none">
-            <a:spAutoFit/>
-          </a:bodyPr>
-          <a:lstStyle/>
-          <a:p>
-            <a:pPr>
-              <a:defRPr sz="4000" b="1">
-                <a:solidFill>
-                  <a:srgbClr val="2563EB"/>
-                </a:solidFill>
-              </a:defRPr>
-            </a:pPr>
-            <a:r>
-              <a:t>System Performance &amp; Accuracy</a:t>
-            </a:r>
-          </a:p>
-        </p:txBody>
-      </p:sp>
-      <p:sp>
-        <p:nvSpPr>
-          <p:cNvPr id="3" name="TextBox 2"/>
-          <p:cNvSpPr txBox="1"/>
-          <p:nvPr/>
-        </p:nvSpPr>
-        <p:spPr>
-          <a:xfrm>
-            <a:off x="731520" y="1463040"/>
-            <a:ext cx="7772400" cy="4572000"/>
-          </a:xfrm>
-          <a:prstGeom prst="rect">
-            <a:avLst/>
-          </a:prstGeom>
-          <a:noFill/>
-        </p:spPr>
-        <p:txBody>
-          <a:bodyPr wrap="square">
-            <a:spAutoFit/>
-          </a:bodyPr>
-          <a:lstStyle/>
-          <a:p>
-            <a:pPr>
-              <a:defRPr sz="2000" b="1">
-                <a:solidFill>
-                  <a:srgbClr val="475569"/>
-                </a:solidFill>
-              </a:defRPr>
-            </a:pPr>
-            <a:r>
-              <a:t>Retrieval Accuracy</a:t>
-            </a:r>
-          </a:p>
-          <a:p>
-            <a:pPr lvl="1">
-              <a:defRPr sz="1600">
-                <a:solidFill>
-                  <a:srgbClr val="475569"/>
-                </a:solidFill>
-              </a:defRPr>
-            </a:pPr>
-            <a:r>
-              <a:t>  • Cosine similarity threshold: 0.7</a:t>
-            </a:r>
-          </a:p>
-          <a:p>
-            <a:pPr lvl="1">
-              <a:defRPr sz="1600">
-                <a:solidFill>
-                  <a:srgbClr val="475569"/>
-                </a:solidFill>
-              </a:defRPr>
-            </a:pPr>
-            <a:r>
-              <a:t>  • Top 15 most relevant chunks retrieved</a:t>
-            </a:r>
-          </a:p>
-          <a:p>
-            <a:pPr lvl="1">
-              <a:defRPr sz="1600">
-                <a:solidFill>
-                  <a:srgbClr val="475569"/>
-                </a:solidFill>
-              </a:defRPr>
-            </a:pPr>
-            <a:r>
-              <a:t>  • Average response time: 2-3 seconds</a:t>
-            </a:r>
-          </a:p>
-          <a:p>
-            <a:endParaRPr/>
-          </a:p>
-          <a:p>
-            <a:pPr>
-              <a:defRPr sz="2000" b="1">
-                <a:solidFill>
-                  <a:srgbClr val="475569"/>
-                </a:solidFill>
-              </a:defRPr>
-            </a:pPr>
-            <a:r>
-              <a:t>Citation Accuracy</a:t>
-            </a:r>
-          </a:p>
-          <a:p>
-            <a:pPr lvl="1">
-              <a:defRPr sz="1600">
-                <a:solidFill>
-                  <a:srgbClr val="475569"/>
-                </a:solidFill>
-              </a:defRPr>
-            </a:pPr>
-            <a:r>
-              <a:t>  • 100% citation requirement enforced</a:t>
-            </a:r>
-          </a:p>
-          <a:p>
-            <a:pPr lvl="1">
-              <a:defRPr sz="1600">
-                <a:solidFill>
-                  <a:srgbClr val="475569"/>
-                </a:solidFill>
-              </a:defRPr>
-            </a:pPr>
-            <a:r>
-              <a:t>  • Page numbers verified against source documents</a:t>
-            </a:r>
-          </a:p>
-          <a:p>
-            <a:pPr lvl="1">
-              <a:defRPr sz="1600">
-                <a:solidFill>
-                  <a:srgbClr val="475569"/>
-                </a:solidFill>
-              </a:defRPr>
-            </a:pPr>
-            <a:r>
-              <a:t>  • Multi-document source attribution working correctly</a:t>
-            </a:r>
-          </a:p>
-          <a:p>
-            <a:endParaRPr/>
-          </a:p>
-          <a:p>
-            <a:pPr>
-              <a:defRPr sz="2000" b="1">
-                <a:solidFill>
-                  <a:srgbClr val="475569"/>
-                </a:solidFill>
-              </a:defRPr>
-            </a:pPr>
-            <a:r>
-              <a:t>Scalability</a:t>
-            </a:r>
-          </a:p>
-          <a:p>
-            <a:pPr lvl="1">
-              <a:defRPr sz="1600">
-                <a:solidFill>
-                  <a:srgbClr val="475569"/>
-                </a:solidFill>
-              </a:defRPr>
-            </a:pPr>
-            <a:r>
-              <a:t>  • Vector embeddings cached in database</a:t>
-            </a:r>
-          </a:p>
-          <a:p>
-            <a:pPr lvl="1">
-              <a:defRPr sz="1600">
-                <a:solidFill>
-                  <a:srgbClr val="475569"/>
-                </a:solidFill>
-              </a:defRPr>
-            </a:pPr>
-            <a:r>
-              <a:t>  • Batch embedding generation (100 per API call)</a:t>
-            </a:r>
-          </a:p>
-          <a:p>
-            <a:pPr lvl="1">
-              <a:defRPr sz="1600">
-                <a:solidFill>
-                  <a:srgbClr val="475569"/>
-                </a:solidFill>
-              </a:defRPr>
-            </a:pPr>
-            <a:r>
-              <a:t>  • Async processing for document uploads</a:t>
-            </a:r>
-          </a:p>
-          <a:p>
-            <a:endParaRPr/>
-          </a:p>
-          <a:p>
-            <a:pPr>
-              <a:defRPr sz="2000" b="1">
-                <a:solidFill>
-                  <a:srgbClr val="475569"/>
-                </a:solidFill>
-              </a:defRPr>
-            </a:pPr>
-            <a:r>
-              <a:t>User Experience</a:t>
-            </a:r>
-          </a:p>
-          <a:p>
-            <a:pPr lvl="1">
-              <a:defRPr sz="1600">
-                <a:solidFill>
-                  <a:srgbClr val="475569"/>
-                </a:solidFill>
-              </a:defRPr>
-            </a:pPr>
-            <a:r>
-              <a:t>  • Responsive design for all screen sizes</a:t>
-            </a:r>
-          </a:p>
-          <a:p>
-            <a:pPr lvl="1">
-              <a:defRPr sz="1600">
-                <a:solidFill>
-                  <a:srgbClr val="475569"/>
-                </a:solidFill>
-              </a:defRPr>
-            </a:pPr>
-            <a:r>
-              <a:t>  • Real-time loading indicators</a:t>
-            </a:r>
-          </a:p>
-          <a:p>
-            <a:pPr lvl="1">
-              <a:defRPr sz="1600">
-                <a:solidFill>
-                  <a:srgbClr val="475569"/>
-                </a:solidFill>
-              </a:defRPr>
-            </a:pPr>
-            <a:r>
-              <a:t>  • Smooth transitions and animations</a:t>
-            </a:r>
-          </a:p>
-        </p:txBody>
-      </p:sp>
-    </p:spTree>
-  </p:cSld>
-  <p:clrMapOvr>
-    <a:masterClrMapping/>
-  </p:clrMapOvr>
-</p:sld>
-</file>
-
-<file path=ppt/slides/slide14.xml><?xml version="1.0" encoding="utf-8"?>
 <p:sld xmlns:a="http://schemas.openxmlformats.org/drawingml/2006/main" xmlns:r="http://schemas.openxmlformats.org/officeDocument/2006/relationships" xmlns:p="http://schemas.openxmlformats.org/presentationml/2006/main">
   <p:cSld>
     <p:bg>
@@ -4527,7 +4608,7 @@
         </p:nvSpPr>
         <p:spPr>
           <a:xfrm>
-            <a:off x="457200" y="914400"/>
+            <a:off x="160986" y="334851"/>
             <a:ext cx="8229600" cy="914400"/>
           </a:xfrm>
           <a:prstGeom prst="rect">
@@ -4549,6 +4630,7 @@
               </a:defRPr>
             </a:pPr>
             <a:r>
+              <a:rPr dirty="0"/>
               <a:t>Conclusion</a:t>
             </a:r>
           </a:p>
@@ -4562,8 +4644,8 @@
         </p:nvSpPr>
         <p:spPr>
           <a:xfrm>
-            <a:off x="914400" y="2286000"/>
-            <a:ext cx="7315200" cy="3200400"/>
+            <a:off x="914400" y="1332964"/>
+            <a:ext cx="7315200" cy="3057247"/>
           </a:xfrm>
           <a:prstGeom prst="rect">
             <a:avLst/>
@@ -4587,11 +4669,12 @@
               </a:defRPr>
             </a:pPr>
             <a:r>
+              <a:rPr dirty="0"/>
               <a:t>• Successfully implemented a production-ready AI chatbot system</a:t>
             </a:r>
           </a:p>
           <a:p>
-            <a:endParaRPr/>
+            <a:endParaRPr sz="1600" dirty="0"/>
           </a:p>
           <a:p>
             <a:pPr algn="l">
@@ -4605,11 +4688,12 @@
               </a:defRPr>
             </a:pPr>
             <a:r>
+              <a:rPr dirty="0"/>
               <a:t>• Demonstrates full-stack development with modern technologies</a:t>
             </a:r>
           </a:p>
           <a:p>
-            <a:endParaRPr/>
+            <a:endParaRPr sz="1600" dirty="0"/>
           </a:p>
           <a:p>
             <a:pPr algn="l">
@@ -4623,11 +4707,12 @@
               </a:defRPr>
             </a:pPr>
             <a:r>
+              <a:rPr dirty="0"/>
               <a:t>• Advanced RAG system with semantic search and citations</a:t>
             </a:r>
           </a:p>
           <a:p>
-            <a:endParaRPr/>
+            <a:endParaRPr sz="1600" dirty="0"/>
           </a:p>
           <a:p>
             <a:pPr algn="l">
@@ -4641,11 +4726,12 @@
               </a:defRPr>
             </a:pPr>
             <a:r>
+              <a:rPr dirty="0"/>
               <a:t>• Multi-document chat with accurate source attribution</a:t>
             </a:r>
           </a:p>
           <a:p>
-            <a:endParaRPr/>
+            <a:endParaRPr sz="1600" dirty="0"/>
           </a:p>
           <a:p>
             <a:pPr algn="l">
@@ -4659,6 +4745,7 @@
               </a:defRPr>
             </a:pPr>
             <a:r>
+              <a:rPr dirty="0"/>
               <a:t>• Enterprise features: authentication, folders, document management</a:t>
             </a:r>
           </a:p>
@@ -4672,7 +4759,7 @@
         </p:nvSpPr>
         <p:spPr>
           <a:xfrm>
-            <a:off x="914400" y="5669280"/>
+            <a:off x="708338" y="4991851"/>
             <a:ext cx="7315200" cy="731520"/>
           </a:xfrm>
           <a:prstGeom prst="rect">
@@ -4694,6 +4781,7 @@
               </a:defRPr>
             </a:pPr>
             <a:r>
+              <a:rPr dirty="0"/>
               <a:t>Thank You!</a:t>
             </a:r>
           </a:p>
@@ -4792,6 +4880,7 @@
               </a:defRPr>
             </a:pPr>
             <a:r>
+              <a:rPr dirty="0"/>
               <a:t>• An intelligent chatbot that allows users to have conversations with their documents</a:t>
             </a:r>
           </a:p>
@@ -4807,6 +4896,7 @@
               </a:defRPr>
             </a:pPr>
             <a:r>
+              <a:rPr dirty="0"/>
               <a:t>• Supports multiple formats: PDF, DOCX, PPTX, and images</a:t>
             </a:r>
           </a:p>
@@ -4822,6 +4912,7 @@
               </a:defRPr>
             </a:pPr>
             <a:r>
+              <a:rPr dirty="0"/>
               <a:t>• Uses AI to understand document content and provide accurate answers</a:t>
             </a:r>
           </a:p>
@@ -4837,6 +4928,7 @@
               </a:defRPr>
             </a:pPr>
             <a:r>
+              <a:rPr dirty="0"/>
               <a:t>• Features include multi-document chat, folders, and precise page citations</a:t>
             </a:r>
           </a:p>
@@ -4852,6 +4944,7 @@
               </a:defRPr>
             </a:pPr>
             <a:r>
+              <a:rPr dirty="0"/>
               <a:t>• Built with modern full-stack technologies and RAG (Retrieval-Augmented Generation)</a:t>
             </a:r>
           </a:p>
@@ -4947,6 +5040,7 @@
               </a:defRPr>
             </a:pPr>
             <a:r>
+              <a:rPr dirty="0"/>
               <a:t>Frontend</a:t>
             </a:r>
           </a:p>
@@ -4958,7 +5052,7 @@
                 </a:solidFill>
               </a:defRPr>
             </a:pPr>
-            <a:endParaRPr/>
+            <a:endParaRPr dirty="0"/>
           </a:p>
           <a:p>
             <a:pPr>
@@ -4969,6 +5063,7 @@
               </a:defRPr>
             </a:pPr>
             <a:r>
+              <a:rPr dirty="0"/>
               <a:t>• React + Vite</a:t>
             </a:r>
           </a:p>
@@ -4981,6 +5076,7 @@
               </a:defRPr>
             </a:pPr>
             <a:r>
+              <a:rPr dirty="0"/>
               <a:t>• Tailwind CSS</a:t>
             </a:r>
           </a:p>
@@ -4993,6 +5089,7 @@
               </a:defRPr>
             </a:pPr>
             <a:r>
+              <a:rPr dirty="0"/>
               <a:t>• PDF.js Viewer</a:t>
             </a:r>
           </a:p>
@@ -5005,6 +5102,7 @@
               </a:defRPr>
             </a:pPr>
             <a:r>
+              <a:rPr dirty="0"/>
               <a:t>• Responsive UI</a:t>
             </a:r>
           </a:p>
@@ -5054,6 +5152,7 @@
               </a:defRPr>
             </a:pPr>
             <a:r>
+              <a:rPr dirty="0"/>
               <a:t>Frontend</a:t>
             </a:r>
           </a:p>
@@ -5065,7 +5164,7 @@
                 </a:solidFill>
               </a:defRPr>
             </a:pPr>
-            <a:endParaRPr/>
+            <a:endParaRPr dirty="0"/>
           </a:p>
           <a:p>
             <a:pPr>
@@ -5076,6 +5175,7 @@
               </a:defRPr>
             </a:pPr>
             <a:r>
+              <a:rPr dirty="0"/>
               <a:t>• React + Vite</a:t>
             </a:r>
           </a:p>
@@ -5088,6 +5188,7 @@
               </a:defRPr>
             </a:pPr>
             <a:r>
+              <a:rPr dirty="0"/>
               <a:t>• Tailwind CSS</a:t>
             </a:r>
           </a:p>
@@ -5100,6 +5201,7 @@
               </a:defRPr>
             </a:pPr>
             <a:r>
+              <a:rPr dirty="0"/>
               <a:t>• PDF.js Viewer</a:t>
             </a:r>
           </a:p>
@@ -5112,6 +5214,7 @@
               </a:defRPr>
             </a:pPr>
             <a:r>
+              <a:rPr dirty="0"/>
               <a:t>• Responsive UI</a:t>
             </a:r>
           </a:p>
@@ -5161,6 +5264,7 @@
               </a:defRPr>
             </a:pPr>
             <a:r>
+              <a:rPr dirty="0"/>
               <a:t>Backend</a:t>
             </a:r>
           </a:p>
@@ -5172,7 +5276,7 @@
                 </a:solidFill>
               </a:defRPr>
             </a:pPr>
-            <a:endParaRPr/>
+            <a:endParaRPr dirty="0"/>
           </a:p>
           <a:p>
             <a:pPr>
@@ -5183,6 +5287,7 @@
               </a:defRPr>
             </a:pPr>
             <a:r>
+              <a:rPr dirty="0"/>
               <a:t>• Node.js + Express</a:t>
             </a:r>
           </a:p>
@@ -5195,6 +5300,7 @@
               </a:defRPr>
             </a:pPr>
             <a:r>
+              <a:rPr dirty="0"/>
               <a:t>• MongoDB</a:t>
             </a:r>
           </a:p>
@@ -5207,6 +5313,7 @@
               </a:defRPr>
             </a:pPr>
             <a:r>
+              <a:rPr dirty="0"/>
               <a:t>• OpenAI API</a:t>
             </a:r>
           </a:p>
@@ -5219,6 +5326,7 @@
               </a:defRPr>
             </a:pPr>
             <a:r>
+              <a:rPr dirty="0"/>
               <a:t>• JWT Auth</a:t>
             </a:r>
           </a:p>
@@ -5447,7 +5555,7 @@
         </p:nvSpPr>
         <p:spPr>
           <a:xfrm>
-            <a:off x="457200" y="457200"/>
+            <a:off x="547352" y="91440"/>
             <a:ext cx="8229600" cy="731520"/>
           </a:xfrm>
           <a:prstGeom prst="rect">
@@ -5469,6 +5577,7 @@
               </a:defRPr>
             </a:pPr>
             <a:r>
+              <a:rPr dirty="0"/>
               <a:t>How It Works: Document Upload</a:t>
             </a:r>
           </a:p>
@@ -5482,7 +5591,7 @@
         </p:nvSpPr>
         <p:spPr>
           <a:xfrm>
-            <a:off x="914400" y="1645920"/>
+            <a:off x="914400" y="976219"/>
             <a:ext cx="7315200" cy="640080"/>
           </a:xfrm>
           <a:prstGeom prst="rect">
@@ -5518,7 +5627,12 @@
               </a:defRPr>
             </a:pPr>
             <a:r>
-              <a:t>1. Upload: User uploads PDF, DOCX, PPTX, or image file</a:t>
+              <a:rPr lang="en-US" dirty="0"/>
+              <a:t>1. </a:t>
+            </a:r>
+            <a:r>
+              <a:rPr lang="en-US" sz="1600" b="1" dirty="0"/>
+              <a:t>User uploads PDF, PPT OR DOCX</a:t>
             </a:r>
           </a:p>
         </p:txBody>
@@ -5531,7 +5645,7 @@
         </p:nvSpPr>
         <p:spPr>
           <a:xfrm>
-            <a:off x="914400" y="2423160"/>
+            <a:off x="914400" y="1753459"/>
             <a:ext cx="7315200" cy="640080"/>
           </a:xfrm>
           <a:prstGeom prst="rect">
@@ -5580,7 +5694,7 @@
         </p:nvSpPr>
         <p:spPr>
           <a:xfrm>
-            <a:off x="914400" y="3200400"/>
+            <a:off x="914400" y="2530699"/>
             <a:ext cx="7315200" cy="640080"/>
           </a:xfrm>
           <a:prstGeom prst="rect">
@@ -5629,7 +5743,7 @@
         </p:nvSpPr>
         <p:spPr>
           <a:xfrm>
-            <a:off x="914400" y="3977639"/>
+            <a:off x="914400" y="3307938"/>
             <a:ext cx="7315200" cy="640080"/>
           </a:xfrm>
           <a:prstGeom prst="rect">
@@ -5665,6 +5779,7 @@
               </a:defRPr>
             </a:pPr>
             <a:r>
+              <a:rPr dirty="0"/>
               <a:t>4. Embedding: Generate vector embeddings using OpenAI API</a:t>
             </a:r>
           </a:p>
@@ -5678,7 +5793,7 @@
         </p:nvSpPr>
         <p:spPr>
           <a:xfrm>
-            <a:off x="914400" y="4754879"/>
+            <a:off x="914400" y="4085178"/>
             <a:ext cx="7315200" cy="640080"/>
           </a:xfrm>
           <a:prstGeom prst="rect">
@@ -5727,7 +5842,7 @@
         </p:nvSpPr>
         <p:spPr>
           <a:xfrm>
-            <a:off x="914400" y="5532119"/>
+            <a:off x="914400" y="4862418"/>
             <a:ext cx="7315200" cy="640080"/>
           </a:xfrm>
           <a:prstGeom prst="rect">
@@ -5763,8 +5878,14 @@
               </a:defRPr>
             </a:pPr>
             <a:r>
-              <a:t>6. Ready: Document is now ready for intelligent Q&amp;A</a:t>
-            </a:r>
+              <a:rPr dirty="0"/>
+              <a:t>6.</a:t>
+            </a:r>
+            <a:r>
+              <a:rPr lang="en-US" dirty="0"/>
+              <a:t> Store in vector DB</a:t>
+            </a:r>
+            <a:endParaRPr dirty="0"/>
           </a:p>
         </p:txBody>
       </p:sp>
@@ -5801,7 +5922,7 @@
         </p:nvSpPr>
         <p:spPr>
           <a:xfrm>
-            <a:off x="457200" y="457200"/>
+            <a:off x="457200" y="264017"/>
             <a:ext cx="8229600" cy="731520"/>
           </a:xfrm>
           <a:prstGeom prst="rect">
@@ -5823,6 +5944,7 @@
               </a:defRPr>
             </a:pPr>
             <a:r>
+              <a:rPr dirty="0"/>
               <a:t>How It Works: Chat Processing</a:t>
             </a:r>
           </a:p>
@@ -5836,8 +5958,8 @@
         </p:nvSpPr>
         <p:spPr>
           <a:xfrm>
-            <a:off x="731520" y="1463040"/>
-            <a:ext cx="7772400" cy="4572000"/>
+            <a:off x="457200" y="1188720"/>
+            <a:ext cx="8004220" cy="2349361"/>
           </a:xfrm>
           <a:prstGeom prst="rect">
             <a:avLst/>
@@ -5861,7 +5983,16 @@
               </a:defRPr>
             </a:pPr>
             <a:r>
-              <a:t>1. User types a question about the document</a:t>
+              <a:rPr lang="en-US" sz="2400" b="1" dirty="0"/>
+              <a:t>1</a:t>
+            </a:r>
+            <a:r>
+              <a:rPr sz="2400" b="1" dirty="0"/>
+              <a:t>. </a:t>
+            </a:r>
+            <a:r>
+              <a:rPr lang="en-US" sz="2400" b="1" dirty="0"/>
+              <a:t>User asks a question</a:t>
             </a:r>
           </a:p>
           <a:p>
@@ -5876,7 +6007,16 @@
               </a:defRPr>
             </a:pPr>
             <a:r>
-              <a:t>2. System classifies question (document-related or general knowledge)</a:t>
+              <a:rPr lang="en-US" sz="2400" b="1" dirty="0"/>
+              <a:t>2</a:t>
+            </a:r>
+            <a:r>
+              <a:rPr sz="2400" b="1" dirty="0"/>
+              <a:t>. </a:t>
+            </a:r>
+            <a:r>
+              <a:rPr lang="en-US" sz="2400" b="1" dirty="0"/>
+              <a:t>Embed the question</a:t>
             </a:r>
           </a:p>
           <a:p>
@@ -5891,7 +6031,16 @@
               </a:defRPr>
             </a:pPr>
             <a:r>
-              <a:t>3. Detects page references (e.g., 'page 5', 'slide 10')</a:t>
+              <a:rPr lang="en-US" sz="2400" b="1" dirty="0"/>
+              <a:t>3</a:t>
+            </a:r>
+            <a:r>
+              <a:rPr sz="2400" b="1" dirty="0"/>
+              <a:t>.</a:t>
+            </a:r>
+            <a:r>
+              <a:rPr lang="en-US" sz="2400" b="1" dirty="0"/>
+              <a:t> Retrieve relevant chunks</a:t>
             </a:r>
           </a:p>
           <a:p>
@@ -5906,7 +6055,16 @@
               </a:defRPr>
             </a:pPr>
             <a:r>
-              <a:t>4. Generates embedding vector for the question</a:t>
+              <a:rPr lang="en-US" sz="2400" b="1" dirty="0"/>
+              <a:t>4</a:t>
+            </a:r>
+            <a:r>
+              <a:rPr sz="2400" b="1" dirty="0"/>
+              <a:t>. </a:t>
+            </a:r>
+            <a:r>
+              <a:rPr lang="en-US" sz="2400" b="1" dirty="0"/>
+              <a:t>Send chunks + question to LLM</a:t>
             </a:r>
           </a:p>
           <a:p>
@@ -5921,83 +6079,10 @@
               </a:defRPr>
             </a:pPr>
             <a:r>
-              <a:t>5. Searches document embeddings using cosine similarity</a:t>
-            </a:r>
-          </a:p>
-          <a:p>
-            <a:pPr>
-              <a:spcBef>
-                <a:spcPts val="800"/>
-              </a:spcBef>
-              <a:defRPr sz="1800">
-                <a:solidFill>
-                  <a:srgbClr val="475569"/>
-                </a:solidFill>
-              </a:defRPr>
-            </a:pPr>
-            <a:r>
-              <a:t>6. Retrieves top 15 most relevant text chunks</a:t>
-            </a:r>
-          </a:p>
-          <a:p>
-            <a:pPr>
-              <a:spcBef>
-                <a:spcPts val="800"/>
-              </a:spcBef>
-              <a:defRPr sz="1800">
-                <a:solidFill>
-                  <a:srgbClr val="475569"/>
-                </a:solidFill>
-              </a:defRPr>
-            </a:pPr>
-            <a:r>
-              <a:t>7. Builds context with chunk content + page numbers</a:t>
-            </a:r>
-          </a:p>
-          <a:p>
-            <a:pPr>
-              <a:spcBef>
-                <a:spcPts val="800"/>
-              </a:spcBef>
-              <a:defRPr sz="1800">
-                <a:solidFill>
-                  <a:srgbClr val="475569"/>
-                </a:solidFill>
-              </a:defRPr>
-            </a:pPr>
-            <a:r>
-              <a:t>8. Sends context + question to GPT-3.5 Turbo</a:t>
-            </a:r>
-          </a:p>
-          <a:p>
-            <a:pPr>
-              <a:spcBef>
-                <a:spcPts val="800"/>
-              </a:spcBef>
-              <a:defRPr sz="1800">
-                <a:solidFill>
-                  <a:srgbClr val="475569"/>
-                </a:solidFill>
-              </a:defRPr>
-            </a:pPr>
-            <a:r>
-              <a:t>9. AI generates answer with mandatory page citations</a:t>
-            </a:r>
-          </a:p>
-          <a:p>
-            <a:pPr>
-              <a:spcBef>
-                <a:spcPts val="800"/>
-              </a:spcBef>
-              <a:defRPr sz="1800">
-                <a:solidFill>
-                  <a:srgbClr val="475569"/>
-                </a:solidFill>
-              </a:defRPr>
-            </a:pPr>
-            <a:r>
-              <a:t>10. Returns response with clickable citations</a:t>
-            </a:r>
+              <a:rPr lang="en-US" sz="2400" b="1" dirty="0"/>
+              <a:t>5. Answer grounded in PDF with page citations</a:t>
+            </a:r>
+            <a:endParaRPr sz="2400" b="1" dirty="0"/>
           </a:p>
         </p:txBody>
       </p:sp>
@@ -6034,7 +6119,7 @@
         </p:nvSpPr>
         <p:spPr>
           <a:xfrm>
-            <a:off x="0" y="457200"/>
+            <a:off x="45720" y="9138"/>
             <a:ext cx="9144000" cy="1261884"/>
           </a:xfrm>
           <a:prstGeom prst="rect">
@@ -6084,7 +6169,7 @@
         </p:nvSpPr>
         <p:spPr>
           <a:xfrm>
-            <a:off x="731520" y="1719084"/>
+            <a:off x="731520" y="1126655"/>
             <a:ext cx="7772400" cy="1828800"/>
           </a:xfrm>
           <a:prstGeom prst="rect">
@@ -6120,8 +6205,8 @@
         </p:nvSpPr>
         <p:spPr>
           <a:xfrm>
-            <a:off x="731520" y="3474720"/>
-            <a:ext cx="7772400" cy="2743200"/>
+            <a:off x="898945" y="2199710"/>
+            <a:ext cx="7772400" cy="3200876"/>
           </a:xfrm>
           <a:prstGeom prst="rect">
             <a:avLst/>
@@ -6142,7 +6227,7 @@
               </a:defRPr>
             </a:pPr>
             <a:r>
-              <a:rPr dirty="0"/>
+              <a:rPr sz="2000" dirty="0"/>
               <a:t>Retrieval: Semantic search finds relevant document sections</a:t>
             </a:r>
           </a:p>
@@ -6155,7 +6240,7 @@
               </a:defRPr>
             </a:pPr>
             <a:r>
-              <a:rPr dirty="0"/>
+              <a:rPr sz="1400" dirty="0"/>
               <a:t>  • Uses vector embeddings (1536 dimensions)</a:t>
             </a:r>
           </a:p>
@@ -6168,7 +6253,7 @@
               </a:defRPr>
             </a:pPr>
             <a:r>
-              <a:rPr dirty="0"/>
+              <a:rPr sz="1400" dirty="0"/>
               <a:t>  • Cosine similarity matching (threshold: 0.7)</a:t>
             </a:r>
           </a:p>
@@ -6181,12 +6266,12 @@
               </a:defRPr>
             </a:pPr>
             <a:r>
-              <a:rPr dirty="0"/>
+              <a:rPr sz="1400" dirty="0"/>
               <a:t>  • Returns top 15 chunks ranked by relevance</a:t>
             </a:r>
           </a:p>
           <a:p>
-            <a:endParaRPr dirty="0"/>
+            <a:endParaRPr sz="2000" dirty="0"/>
           </a:p>
           <a:p>
             <a:pPr>
@@ -6197,7 +6282,7 @@
               </a:defRPr>
             </a:pPr>
             <a:r>
-              <a:rPr dirty="0"/>
+              <a:rPr sz="2000" dirty="0"/>
               <a:t>Augmentation: Retrieved content enhances AI's knowledge</a:t>
             </a:r>
           </a:p>
@@ -6210,7 +6295,7 @@
               </a:defRPr>
             </a:pPr>
             <a:r>
-              <a:rPr dirty="0"/>
+              <a:rPr sz="1400" dirty="0"/>
               <a:t>  • Adds document context to the AI prompt</a:t>
             </a:r>
           </a:p>
@@ -6223,12 +6308,12 @@
               </a:defRPr>
             </a:pPr>
             <a:r>
-              <a:rPr dirty="0"/>
+              <a:rPr sz="1400" dirty="0"/>
               <a:t>  • Includes page numbers and metadata</a:t>
             </a:r>
           </a:p>
           <a:p>
-            <a:endParaRPr dirty="0"/>
+            <a:endParaRPr sz="2000" dirty="0"/>
           </a:p>
           <a:p>
             <a:pPr>
@@ -6239,7 +6324,7 @@
               </a:defRPr>
             </a:pPr>
             <a:r>
-              <a:rPr dirty="0"/>
+              <a:rPr sz="2000" dirty="0"/>
               <a:t>Generation: AI creates accurate, cited responses</a:t>
             </a:r>
           </a:p>
@@ -6252,7 +6337,7 @@
               </a:defRPr>
             </a:pPr>
             <a:r>
-              <a:rPr dirty="0"/>
+              <a:rPr sz="1400" dirty="0"/>
               <a:t>  • GPT-3.5 Turbo with temperature=0 (deterministic)</a:t>
             </a:r>
           </a:p>
@@ -6265,7 +6350,7 @@
               </a:defRPr>
             </a:pPr>
             <a:r>
-              <a:rPr dirty="0"/>
+              <a:rPr sz="1400" dirty="0"/>
               <a:t>  • Mandatory citation format enforced</a:t>
             </a:r>
           </a:p>
@@ -6339,7 +6424,7 @@
         </p:nvSpPr>
         <p:spPr>
           <a:xfrm>
-            <a:off x="731520" y="1463040"/>
+            <a:off x="731520" y="1128190"/>
             <a:ext cx="7772400" cy="4572000"/>
           </a:xfrm>
           <a:prstGeom prst="rect">
@@ -6361,6 +6446,7 @@
               </a:defRPr>
             </a:pPr>
             <a:r>
+              <a:rPr dirty="0"/>
               <a:t>Folder Organization</a:t>
             </a:r>
           </a:p>
@@ -6373,6 +6459,7 @@
               </a:defRPr>
             </a:pPr>
             <a:r>
+              <a:rPr dirty="0"/>
               <a:t>  • Group related documents into folders</a:t>
             </a:r>
           </a:p>
@@ -6385,11 +6472,12 @@
               </a:defRPr>
             </a:pPr>
             <a:r>
+              <a:rPr dirty="0"/>
               <a:t>  • Drag-and-drop document management</a:t>
             </a:r>
           </a:p>
           <a:p>
-            <a:endParaRPr/>
+            <a:endParaRPr dirty="0"/>
           </a:p>
           <a:p>
             <a:pPr>
@@ -6400,6 +6488,7 @@
               </a:defRPr>
             </a:pPr>
             <a:r>
+              <a:rPr dirty="0"/>
               <a:t>Parallel Search</a:t>
             </a:r>
           </a:p>
@@ -6412,6 +6501,7 @@
               </a:defRPr>
             </a:pPr>
             <a:r>
+              <a:rPr dirty="0"/>
               <a:t>  • Searches all documents in folder simultaneously</a:t>
             </a:r>
           </a:p>
@@ -6424,6 +6514,7 @@
               </a:defRPr>
             </a:pPr>
             <a:r>
+              <a:rPr dirty="0"/>
               <a:t>  • Retrieves top 10 chunks from each document</a:t>
             </a:r>
           </a:p>
@@ -6436,11 +6527,12 @@
               </a:defRPr>
             </a:pPr>
             <a:r>
+              <a:rPr dirty="0"/>
               <a:t>  • Selects best 15 chunks across all documents</a:t>
             </a:r>
           </a:p>
           <a:p>
-            <a:endParaRPr/>
+            <a:endParaRPr dirty="0"/>
           </a:p>
           <a:p>
             <a:pPr>
@@ -6451,6 +6543,7 @@
               </a:defRPr>
             </a:pPr>
             <a:r>
+              <a:rPr dirty="0"/>
               <a:t>Source Attribution</a:t>
             </a:r>
           </a:p>
@@ -6463,6 +6556,7 @@
               </a:defRPr>
             </a:pPr>
             <a:r>
+              <a:rPr dirty="0"/>
               <a:t>  • Citations include document name + page number</a:t>
             </a:r>
           </a:p>
@@ -6475,6 +6569,7 @@
               </a:defRPr>
             </a:pPr>
             <a:r>
+              <a:rPr dirty="0"/>
               <a:t>  • Example: [research_paper.pdf - Page 12]</a:t>
             </a:r>
           </a:p>
@@ -6487,11 +6582,12 @@
               </a:defRPr>
             </a:pPr>
             <a:r>
+              <a:rPr dirty="0"/>
               <a:t>  • Click citation to view exact source</a:t>
             </a:r>
           </a:p>
           <a:p>
-            <a:endParaRPr/>
+            <a:endParaRPr dirty="0"/>
           </a:p>
           <a:p>
             <a:pPr>
@@ -6502,6 +6598,7 @@
               </a:defRPr>
             </a:pPr>
             <a:r>
+              <a:rPr dirty="0"/>
               <a:t>Smart Document Mapping</a:t>
             </a:r>
           </a:p>
@@ -6514,6 +6611,7 @@
               </a:defRPr>
             </a:pPr>
             <a:r>
+              <a:rPr dirty="0"/>
               <a:t>  • Ensures citations reference correct document</a:t>
             </a:r>
           </a:p>
@@ -6526,6 +6624,7 @@
               </a:defRPr>
             </a:pPr>
             <a:r>
+              <a:rPr dirty="0"/>
               <a:t>  • Handles MongoDB query ordering correctly</a:t>
             </a:r>
           </a:p>
@@ -6679,7 +6778,7 @@
         </p:nvSpPr>
         <p:spPr>
           <a:xfrm>
-            <a:off x="731520" y="3931920"/>
+            <a:off x="731520" y="3558433"/>
             <a:ext cx="7772400" cy="2286000"/>
           </a:xfrm>
           <a:prstGeom prst="rect">
@@ -6701,6 +6800,7 @@
               </a:defRPr>
             </a:pPr>
             <a:r>
+              <a:rPr dirty="0"/>
               <a:t>Key Features:</a:t>
             </a:r>
           </a:p>
@@ -6716,6 +6816,7 @@
               </a:defRPr>
             </a:pPr>
             <a:r>
+              <a:rPr dirty="0"/>
               <a:t>• All citations are clickable - jump directly to source page</a:t>
             </a:r>
           </a:p>
@@ -6731,6 +6832,7 @@
               </a:defRPr>
             </a:pPr>
             <a:r>
+              <a:rPr dirty="0"/>
               <a:t>• AI is required to include citations in every response</a:t>
             </a:r>
           </a:p>
@@ -6746,6 +6848,7 @@
               </a:defRPr>
             </a:pPr>
             <a:r>
+              <a:rPr dirty="0"/>
               <a:t>• Page numbers extracted from document metadata</a:t>
             </a:r>
           </a:p>
@@ -6761,6 +6864,7 @@
               </a:defRPr>
             </a:pPr>
             <a:r>
+              <a:rPr dirty="0"/>
               <a:t>• Regex parsing identifies and formats citations</a:t>
             </a:r>
           </a:p>
@@ -6835,7 +6939,7 @@
         <p:spPr>
           <a:xfrm>
             <a:off x="731520" y="1463040"/>
-            <a:ext cx="3657600" cy="4572000"/>
+            <a:ext cx="3657600" cy="2554545"/>
           </a:xfrm>
           <a:prstGeom prst="rect">
             <a:avLst/>
@@ -6856,6 +6960,7 @@
               </a:defRPr>
             </a:pPr>
             <a:r>
+              <a:rPr sz="3200" dirty="0"/>
               <a:t>Frontend</a:t>
             </a:r>
           </a:p>
@@ -6868,6 +6973,7 @@
               </a:defRPr>
             </a:pPr>
             <a:r>
+              <a:rPr dirty="0"/>
               <a:t>• React 18</a:t>
             </a:r>
           </a:p>
@@ -6880,6 +6986,7 @@
               </a:defRPr>
             </a:pPr>
             <a:r>
+              <a:rPr dirty="0"/>
               <a:t>• Vite (Build Tool)</a:t>
             </a:r>
           </a:p>
@@ -6892,6 +6999,7 @@
               </a:defRPr>
             </a:pPr>
             <a:r>
+              <a:rPr dirty="0"/>
               <a:t>• Tailwind CSS</a:t>
             </a:r>
           </a:p>
@@ -6904,6 +7012,7 @@
               </a:defRPr>
             </a:pPr>
             <a:r>
+              <a:rPr dirty="0"/>
               <a:t>• PDF.js</a:t>
             </a:r>
           </a:p>
@@ -6916,6 +7025,7 @@
               </a:defRPr>
             </a:pPr>
             <a:r>
+              <a:rPr dirty="0"/>
               <a:t>• Mammoth.js (DOCX)</a:t>
             </a:r>
           </a:p>
@@ -6928,6 +7038,7 @@
               </a:defRPr>
             </a:pPr>
             <a:r>
+              <a:rPr dirty="0"/>
               <a:t>• Framer Motion</a:t>
             </a:r>
           </a:p>
@@ -6940,6 +7051,7 @@
               </a:defRPr>
             </a:pPr>
             <a:r>
+              <a:rPr dirty="0"/>
               <a:t>• React Router</a:t>
             </a:r>
           </a:p>
@@ -6952,6 +7064,7 @@
               </a:defRPr>
             </a:pPr>
             <a:r>
+              <a:rPr dirty="0"/>
               <a:t>• Axios</a:t>
             </a:r>
           </a:p>
@@ -6987,6 +7100,7 @@
               </a:defRPr>
             </a:pPr>
             <a:r>
+              <a:rPr dirty="0"/>
               <a:t>Backend &amp; AI</a:t>
             </a:r>
           </a:p>
@@ -6999,6 +7113,7 @@
               </a:defRPr>
             </a:pPr>
             <a:r>
+              <a:rPr dirty="0"/>
               <a:t>• Node.js + Express</a:t>
             </a:r>
           </a:p>
@@ -7011,6 +7126,7 @@
               </a:defRPr>
             </a:pPr>
             <a:r>
+              <a:rPr dirty="0"/>
               <a:t>• MongoDB + Mongoose</a:t>
             </a:r>
           </a:p>
@@ -7023,6 +7139,7 @@
               </a:defRPr>
             </a:pPr>
             <a:r>
+              <a:rPr dirty="0"/>
               <a:t>• OpenAI GPT-3.5 Turbo</a:t>
             </a:r>
           </a:p>
@@ -7035,6 +7152,7 @@
               </a:defRPr>
             </a:pPr>
             <a:r>
+              <a:rPr dirty="0"/>
               <a:t>• OpenAI Embeddings</a:t>
             </a:r>
           </a:p>
@@ -7047,6 +7165,7 @@
               </a:defRPr>
             </a:pPr>
             <a:r>
+              <a:rPr dirty="0"/>
               <a:t>• GPT-4 Vision</a:t>
             </a:r>
           </a:p>
@@ -7059,6 +7178,7 @@
               </a:defRPr>
             </a:pPr>
             <a:r>
+              <a:rPr dirty="0"/>
               <a:t>• JWT Authentication</a:t>
             </a:r>
           </a:p>
@@ -7071,6 +7191,7 @@
               </a:defRPr>
             </a:pPr>
             <a:r>
+              <a:rPr dirty="0"/>
               <a:t>• pdf-parse</a:t>
             </a:r>
           </a:p>
@@ -7083,6 +7204,7 @@
               </a:defRPr>
             </a:pPr>
             <a:r>
+              <a:rPr dirty="0"/>
               <a:t>• Tesseract.js (OCR)</a:t>
             </a:r>
           </a:p>
@@ -7097,9 +7219,9 @@
 </file>
 
 <file path=ppt/theme/theme1.xml><?xml version="1.0" encoding="utf-8"?>
-<a:theme xmlns:a="http://schemas.openxmlformats.org/drawingml/2006/main" name="Office Theme">
+<a:theme xmlns:a="http://schemas.openxmlformats.org/drawingml/2006/main" name="Gallery">
   <a:themeElements>
-    <a:clrScheme name="Office">
+    <a:clrScheme name="Gallery">
       <a:dk1>
         <a:sysClr val="windowText" lastClr="000000"/>
       </a:dk1>
@@ -7107,44 +7229,44 @@
         <a:sysClr val="window" lastClr="FFFFFF"/>
       </a:lt1>
       <a:dk2>
-        <a:srgbClr val="1F497D"/>
+        <a:srgbClr val="454545"/>
       </a:dk2>
       <a:lt2>
-        <a:srgbClr val="EEECE1"/>
+        <a:srgbClr val="DFDBD5"/>
       </a:lt2>
       <a:accent1>
-        <a:srgbClr val="4F81BD"/>
+        <a:srgbClr val="B71E42"/>
       </a:accent1>
       <a:accent2>
-        <a:srgbClr val="C0504D"/>
+        <a:srgbClr val="DE478E"/>
       </a:accent2>
       <a:accent3>
-        <a:srgbClr val="9BBB59"/>
+        <a:srgbClr val="BC72F0"/>
       </a:accent3>
       <a:accent4>
-        <a:srgbClr val="8064A2"/>
+        <a:srgbClr val="795FAF"/>
       </a:accent4>
       <a:accent5>
-        <a:srgbClr val="4BACC6"/>
+        <a:srgbClr val="586EA6"/>
       </a:accent5>
       <a:accent6>
-        <a:srgbClr val="F79646"/>
+        <a:srgbClr val="6892A0"/>
       </a:accent6>
       <a:hlink>
-        <a:srgbClr val="0000FF"/>
+        <a:srgbClr val="FA2B5C"/>
       </a:hlink>
       <a:folHlink>
-        <a:srgbClr val="800080"/>
+        <a:srgbClr val="BC658E"/>
       </a:folHlink>
     </a:clrScheme>
-    <a:fontScheme name="Office">
+    <a:fontScheme name="Gallery">
       <a:majorFont>
-        <a:latin typeface="Calibri"/>
+        <a:latin typeface="Gill Sans MT" panose="020B0502020104020203"/>
         <a:ea typeface=""/>
         <a:cs typeface=""/>
-        <a:font script="Jpan" typeface="ＭＳ Ｐゴシック"/>
+        <a:font script="Jpan" typeface="游ゴシック Light"/>
         <a:font script="Hang" typeface="맑은 고딕"/>
-        <a:font script="Hans" typeface="宋体"/>
+        <a:font script="Hans" typeface="等线 Light"/>
         <a:font script="Hant" typeface="新細明體"/>
         <a:font script="Arab" typeface="Times New Roman"/>
         <a:font script="Hebr" typeface="Times New Roman"/>
@@ -7174,12 +7296,12 @@
         <a:font script="Geor" typeface="Sylfaen"/>
       </a:majorFont>
       <a:minorFont>
-        <a:latin typeface="Calibri"/>
+        <a:latin typeface="Gill Sans MT" panose="020B0502020104020203"/>
         <a:ea typeface=""/>
         <a:cs typeface=""/>
-        <a:font script="Jpan" typeface="ＭＳ Ｐゴシック"/>
+        <a:font script="Jpan" typeface="游ゴシック"/>
         <a:font script="Hang" typeface="맑은 고딕"/>
-        <a:font script="Hans" typeface="宋体"/>
+        <a:font script="Hans" typeface="等线"/>
         <a:font script="Hant" typeface="新細明體"/>
         <a:font script="Arab" typeface="Arial"/>
         <a:font script="Hebr" typeface="Arial"/>
@@ -7209,7 +7331,7 @@
         <a:font script="Geor" typeface="Sylfaen"/>
       </a:minorFont>
     </a:fontScheme>
-    <a:fmtScheme name="Office">
+    <a:fmtScheme name="Gallery">
       <a:fillStyleLst>
         <a:solidFill>
           <a:schemeClr val="phClr"/>
@@ -7218,62 +7340,64 @@
           <a:gsLst>
             <a:gs pos="0">
               <a:schemeClr val="phClr">
-                <a:tint val="50000"/>
-                <a:satMod val="300000"/>
-              </a:schemeClr>
-            </a:gs>
-            <a:gs pos="35000">
-              <a:schemeClr val="phClr">
-                <a:tint val="37000"/>
-                <a:satMod val="300000"/>
+                <a:tint val="54000"/>
+                <a:alpha val="100000"/>
+                <a:satMod val="105000"/>
+                <a:lumMod val="110000"/>
               </a:schemeClr>
             </a:gs>
             <a:gs pos="100000">
               <a:schemeClr val="phClr">
-                <a:tint val="15000"/>
-                <a:satMod val="350000"/>
+                <a:tint val="78000"/>
+                <a:alpha val="92000"/>
+                <a:satMod val="109000"/>
+                <a:lumMod val="100000"/>
               </a:schemeClr>
             </a:gs>
           </a:gsLst>
-          <a:lin ang="16200000" scaled="1"/>
+          <a:lin ang="5400000" scaled="0"/>
         </a:gradFill>
         <a:gradFill rotWithShape="1">
           <a:gsLst>
             <a:gs pos="0">
               <a:schemeClr val="phClr">
-                <a:tint val="100000"/>
-                <a:shade val="100000"/>
+                <a:tint val="98000"/>
+                <a:satMod val="110000"/>
+                <a:lumMod val="104000"/>
+              </a:schemeClr>
+            </a:gs>
+            <a:gs pos="69000">
+              <a:schemeClr val="phClr">
+                <a:shade val="88000"/>
                 <a:satMod val="130000"/>
+                <a:lumMod val="92000"/>
               </a:schemeClr>
             </a:gs>
             <a:gs pos="100000">
               <a:schemeClr val="phClr">
-                <a:tint val="50000"/>
-                <a:shade val="100000"/>
-                <a:satMod val="350000"/>
+                <a:shade val="78000"/>
+                <a:satMod val="130000"/>
+                <a:lumMod val="92000"/>
               </a:schemeClr>
             </a:gs>
           </a:gsLst>
-          <a:lin ang="16200000" scaled="0"/>
+          <a:lin ang="5400000" scaled="0"/>
         </a:gradFill>
       </a:fillStyleLst>
       <a:lnStyleLst>
         <a:ln w="9525" cap="flat" cmpd="sng" algn="ctr">
           <a:solidFill>
-            <a:schemeClr val="phClr">
-              <a:shade val="95000"/>
-              <a:satMod val="105000"/>
-            </a:schemeClr>
+            <a:schemeClr val="phClr"/>
           </a:solidFill>
           <a:prstDash val="solid"/>
         </a:ln>
-        <a:ln w="25400" cap="flat" cmpd="sng" algn="ctr">
+        <a:ln w="15875" cap="flat" cmpd="sng" algn="ctr">
           <a:solidFill>
             <a:schemeClr val="phClr"/>
           </a:solidFill>
           <a:prstDash val="solid"/>
         </a:ln>
-        <a:ln w="38100" cap="flat" cmpd="sng" algn="ctr">
+        <a:ln w="22225" cap="flat" cmpd="sng" algn="ctr">
           <a:solidFill>
             <a:schemeClr val="phClr"/>
           </a:solidFill>
@@ -7282,28 +7406,16 @@
       </a:lnStyleLst>
       <a:effectStyleLst>
         <a:effectStyle>
-          <a:effectLst>
-            <a:outerShdw blurRad="40000" dist="20000" dir="5400000" rotWithShape="0">
-              <a:srgbClr val="000000">
-                <a:alpha val="38000"/>
-              </a:srgbClr>
-            </a:outerShdw>
-          </a:effectLst>
+          <a:effectLst/>
+        </a:effectStyle>
+        <a:effectStyle>
+          <a:effectLst/>
         </a:effectStyle>
         <a:effectStyle>
           <a:effectLst>
-            <a:outerShdw blurRad="40000" dist="23000" dir="5400000" rotWithShape="0">
+            <a:outerShdw blurRad="50800" dist="50800" dir="5400000" sx="96000" sy="96000" rotWithShape="0">
               <a:srgbClr val="000000">
-                <a:alpha val="35000"/>
-              </a:srgbClr>
-            </a:outerShdw>
-          </a:effectLst>
-        </a:effectStyle>
-        <a:effectStyle>
-          <a:effectLst>
-            <a:outerShdw blurRad="40000" dist="23000" dir="5400000" rotWithShape="0">
-              <a:srgbClr val="000000">
-                <a:alpha val="35000"/>
+                <a:alpha val="48000"/>
               </a:srgbClr>
             </a:outerShdw>
           </a:effectLst>
@@ -7311,12 +7423,12 @@
             <a:camera prst="orthographicFront">
               <a:rot lat="0" lon="0" rev="0"/>
             </a:camera>
-            <a:lightRig rig="threePt" dir="t">
-              <a:rot lat="0" lon="0" rev="1200000"/>
+            <a:lightRig rig="balanced" dir="t">
+              <a:rot lat="0" lon="0" rev="1080000"/>
             </a:lightRig>
           </a:scene3d>
           <a:sp3d>
-            <a:bevelT w="63500" h="25400"/>
+            <a:bevelT w="38100" h="12700" prst="softRound"/>
           </a:sp3d>
         </a:effectStyle>
       </a:effectStyleLst>
@@ -7324,44 +7436,21 @@
         <a:solidFill>
           <a:schemeClr val="phClr"/>
         </a:solidFill>
+        <a:solidFill>
+          <a:schemeClr val="phClr"/>
+        </a:solidFill>
         <a:gradFill rotWithShape="1">
           <a:gsLst>
             <a:gs pos="0">
               <a:schemeClr val="phClr">
-                <a:tint val="40000"/>
-                <a:satMod val="350000"/>
-              </a:schemeClr>
-            </a:gs>
-            <a:gs pos="40000">
-              <a:schemeClr val="phClr">
-                <a:tint val="45000"/>
-                <a:shade val="99000"/>
-                <a:satMod val="350000"/>
+                <a:tint val="94000"/>
+                <a:satMod val="80000"/>
+                <a:lumMod val="106000"/>
               </a:schemeClr>
             </a:gs>
             <a:gs pos="100000">
               <a:schemeClr val="phClr">
-                <a:shade val="20000"/>
-                <a:satMod val="255000"/>
-              </a:schemeClr>
-            </a:gs>
-          </a:gsLst>
-          <a:path path="circle">
-            <a:fillToRect l="50000" t="-80000" r="50000" b="180000"/>
-          </a:path>
-        </a:gradFill>
-        <a:gradFill rotWithShape="1">
-          <a:gsLst>
-            <a:gs pos="0">
-              <a:schemeClr val="phClr">
-                <a:tint val="80000"/>
-                <a:satMod val="300000"/>
-              </a:schemeClr>
-            </a:gs>
-            <a:gs pos="100000">
-              <a:schemeClr val="phClr">
-                <a:shade val="30000"/>
-                <a:satMod val="200000"/>
+                <a:shade val="80000"/>
               </a:schemeClr>
             </a:gs>
           </a:gsLst>
@@ -7372,46 +7461,12 @@
       </a:bgFillStyleLst>
     </a:fmtScheme>
   </a:themeElements>
-  <a:objectDefaults>
-    <a:spDef>
-      <a:spPr/>
-      <a:bodyPr/>
-      <a:lstStyle/>
-      <a:style>
-        <a:lnRef idx="1">
-          <a:schemeClr val="accent1"/>
-        </a:lnRef>
-        <a:fillRef idx="3">
-          <a:schemeClr val="accent1"/>
-        </a:fillRef>
-        <a:effectRef idx="2">
-          <a:schemeClr val="accent1"/>
-        </a:effectRef>
-        <a:fontRef idx="minor">
-          <a:schemeClr val="lt1"/>
-        </a:fontRef>
-      </a:style>
-    </a:spDef>
-    <a:lnDef>
-      <a:spPr/>
-      <a:bodyPr/>
-      <a:lstStyle/>
-      <a:style>
-        <a:lnRef idx="2">
-          <a:schemeClr val="accent1"/>
-        </a:lnRef>
-        <a:fillRef idx="0">
-          <a:schemeClr val="accent1"/>
-        </a:fillRef>
-        <a:effectRef idx="1">
-          <a:schemeClr val="accent1"/>
-        </a:effectRef>
-        <a:fontRef idx="minor">
-          <a:schemeClr val="tx1"/>
-        </a:fontRef>
-      </a:style>
-    </a:lnDef>
-  </a:objectDefaults>
+  <a:objectDefaults/>
   <a:extraClrSchemeLst/>
+  <a:extLst>
+    <a:ext uri="{05A4C25C-085E-4340-85A3-A5531E510DB2}">
+      <thm15:themeFamily xmlns:thm15="http://schemas.microsoft.com/office/thememl/2012/main" name="Gallery" id="{BBFCD31E-59A1-489D-B089-A3EAD7CAE12E}" vid="{F5E91637-A7B6-4E27-B710-77DA7014EE1E}"/>
+    </a:ext>
+  </a:extLst>
 </a:theme>
 </file>